--- a/2017/python/day2-review.pptx
+++ b/2017/python/day2-review.pptx
@@ -226,7 +226,7 @@
           <a:p>
             <a:fld id="{91BDCAE1-DC13-3545-841A-A4DBCAED93AF}" type="datetimeFigureOut">
               <a:rPr lang="en-US" smtClean="0"/>
-              <a:t>6/1/2017</a:t>
+              <a:t>6/2/17</a:t>
             </a:fld>
             <a:endParaRPr lang="en-US"/>
           </a:p>
@@ -2763,7 +2763,7 @@
           <a:p>
             <a:fld id="{7C780E36-1438-D74D-8D9C-3089FABA7E39}" type="datetimeFigureOut">
               <a:rPr lang="en-US" smtClean="0"/>
-              <a:t>6/1/2017</a:t>
+              <a:t>6/2/17</a:t>
             </a:fld>
             <a:endParaRPr lang="en-US"/>
           </a:p>
@@ -2933,7 +2933,7 @@
           <a:p>
             <a:fld id="{7C780E36-1438-D74D-8D9C-3089FABA7E39}" type="datetimeFigureOut">
               <a:rPr lang="en-US" smtClean="0"/>
-              <a:t>6/1/2017</a:t>
+              <a:t>6/2/17</a:t>
             </a:fld>
             <a:endParaRPr lang="en-US"/>
           </a:p>
@@ -3113,7 +3113,7 @@
           <a:p>
             <a:fld id="{7C780E36-1438-D74D-8D9C-3089FABA7E39}" type="datetimeFigureOut">
               <a:rPr lang="en-US" smtClean="0"/>
-              <a:t>6/1/2017</a:t>
+              <a:t>6/2/17</a:t>
             </a:fld>
             <a:endParaRPr lang="en-US"/>
           </a:p>
@@ -3588,7 +3588,7 @@
           <a:p>
             <a:fld id="{7C780E36-1438-D74D-8D9C-3089FABA7E39}" type="datetimeFigureOut">
               <a:rPr lang="en-US" smtClean="0"/>
-              <a:t>6/1/2017</a:t>
+              <a:t>6/2/17</a:t>
             </a:fld>
             <a:endParaRPr lang="en-US"/>
           </a:p>
@@ -3834,7 +3834,7 @@
           <a:p>
             <a:fld id="{7C780E36-1438-D74D-8D9C-3089FABA7E39}" type="datetimeFigureOut">
               <a:rPr lang="en-US" smtClean="0"/>
-              <a:t>6/1/2017</a:t>
+              <a:t>6/2/17</a:t>
             </a:fld>
             <a:endParaRPr lang="en-US"/>
           </a:p>
@@ -4122,7 +4122,7 @@
           <a:p>
             <a:fld id="{7C780E36-1438-D74D-8D9C-3089FABA7E39}" type="datetimeFigureOut">
               <a:rPr lang="en-US" smtClean="0"/>
-              <a:t>6/1/2017</a:t>
+              <a:t>6/2/17</a:t>
             </a:fld>
             <a:endParaRPr lang="en-US"/>
           </a:p>
@@ -4544,7 +4544,7 @@
           <a:p>
             <a:fld id="{7C780E36-1438-D74D-8D9C-3089FABA7E39}" type="datetimeFigureOut">
               <a:rPr lang="en-US" smtClean="0"/>
-              <a:t>6/1/2017</a:t>
+              <a:t>6/2/17</a:t>
             </a:fld>
             <a:endParaRPr lang="en-US"/>
           </a:p>
@@ -4662,7 +4662,7 @@
           <a:p>
             <a:fld id="{7C780E36-1438-D74D-8D9C-3089FABA7E39}" type="datetimeFigureOut">
               <a:rPr lang="en-US" smtClean="0"/>
-              <a:t>6/1/2017</a:t>
+              <a:t>6/2/17</a:t>
             </a:fld>
             <a:endParaRPr lang="en-US"/>
           </a:p>
@@ -4757,7 +4757,7 @@
           <a:p>
             <a:fld id="{7C780E36-1438-D74D-8D9C-3089FABA7E39}" type="datetimeFigureOut">
               <a:rPr lang="en-US" smtClean="0"/>
-              <a:t>6/1/2017</a:t>
+              <a:t>6/2/17</a:t>
             </a:fld>
             <a:endParaRPr lang="en-US"/>
           </a:p>
@@ -5034,7 +5034,7 @@
           <a:p>
             <a:fld id="{7C780E36-1438-D74D-8D9C-3089FABA7E39}" type="datetimeFigureOut">
               <a:rPr lang="en-US" smtClean="0"/>
-              <a:t>6/1/2017</a:t>
+              <a:t>6/2/17</a:t>
             </a:fld>
             <a:endParaRPr lang="en-US"/>
           </a:p>
@@ -5287,7 +5287,7 @@
           <a:p>
             <a:fld id="{7C780E36-1438-D74D-8D9C-3089FABA7E39}" type="datetimeFigureOut">
               <a:rPr lang="en-US" smtClean="0"/>
-              <a:t>6/1/2017</a:t>
+              <a:t>6/2/17</a:t>
             </a:fld>
             <a:endParaRPr lang="en-US"/>
           </a:p>
@@ -5500,7 +5500,7 @@
           <a:p>
             <a:fld id="{7C780E36-1438-D74D-8D9C-3089FABA7E39}" type="datetimeFigureOut">
               <a:rPr lang="en-US" smtClean="0"/>
-              <a:t>6/1/2017</a:t>
+              <a:t>6/2/17</a:t>
             </a:fld>
             <a:endParaRPr lang="en-US"/>
           </a:p>
@@ -6116,7 +6116,6 @@
               <a:rPr lang="en-US" sz="2400" dirty="0" smtClean="0"/>
               <a:t>):</a:t>
             </a:r>
-            <a:endParaRPr lang="en-US" sz="2400" dirty="0" smtClean="0"/>
           </a:p>
           <a:p>
             <a:pPr marL="38100" lvl="0" indent="0">
@@ -6139,13 +6138,8 @@
             </a:r>
             <a:r>
               <a:rPr lang="en-US" sz="2400" dirty="0" smtClean="0"/>
-              <a:t> exists here</a:t>
-            </a:r>
-            <a:r>
-              <a:rPr lang="en-US" sz="2400" dirty="0" smtClean="0"/>
-              <a:t>!</a:t>
-            </a:r>
-            <a:endParaRPr lang="en-US" sz="2400" dirty="0" smtClean="0"/>
+              <a:t> exists here!</a:t>
+            </a:r>
           </a:p>
           <a:p>
             <a:pPr marL="38100" lvl="0" indent="0">
@@ -6402,7 +6396,6 @@
               <a:rPr lang="en-US" sz="2400" dirty="0" smtClean="0"/>
               <a:t>):</a:t>
             </a:r>
-            <a:endParaRPr lang="en-US" sz="2400" dirty="0" smtClean="0"/>
           </a:p>
           <a:p>
             <a:pPr marL="38100" lvl="0" indent="0">
@@ -6417,23 +6410,11 @@
             </a:pPr>
             <a:r>
               <a:rPr lang="en-US" sz="2400" dirty="0" smtClean="0"/>
-              <a:t>		</a:t>
-            </a:r>
-            <a:r>
-              <a:rPr lang="en-US" sz="2400" dirty="0" smtClean="0"/>
-              <a:t>print(“</a:t>
-            </a:r>
-            <a:r>
-              <a:rPr lang="en-US" sz="2400" dirty="0" smtClean="0"/>
-              <a:t>a </a:t>
+              <a:t>		print(“a </a:t>
             </a:r>
             <a:r>
               <a:rPr lang="en-US" sz="2400" smtClean="0"/>
-              <a:t>thing</a:t>
-            </a:r>
-            <a:r>
-              <a:rPr lang="en-US" sz="2400" smtClean="0"/>
-              <a:t>”)</a:t>
+              <a:t>thing”)</a:t>
             </a:r>
             <a:endParaRPr lang="en-US" sz="2400" dirty="0" smtClean="0"/>
           </a:p>
@@ -7340,6 +7321,57 @@
               <a:tabLst/>
               <a:defRPr/>
             </a:pPr>
+            <a:r>
+              <a:rPr lang="en-US" dirty="0"/>
+              <a:t>Keep going!</a:t>
+            </a:r>
+          </a:p>
+          <a:p>
+            <a:pPr marL="457200" marR="0" lvl="0" indent="-419100" defTabSz="914400" eaLnBrk="1" fontAlgn="auto" latinLnBrk="0" hangingPunct="1">
+              <a:lnSpc>
+                <a:spcPct val="130000"/>
+              </a:lnSpc>
+              <a:spcBef>
+                <a:spcPts val="0"/>
+              </a:spcBef>
+              <a:spcAft>
+                <a:spcPts val="0"/>
+              </a:spcAft>
+              <a:buClr>
+                <a:schemeClr val="dk1"/>
+              </a:buClr>
+              <a:buSzPct val="100000"/>
+              <a:buFontTx/>
+              <a:buNone/>
+              <a:tabLst/>
+              <a:defRPr/>
+            </a:pPr>
+            <a:endParaRPr lang="en-US" dirty="0"/>
+          </a:p>
+          <a:p>
+            <a:pPr marL="457200" marR="0" lvl="0" indent="-419100" defTabSz="914400" eaLnBrk="1" fontAlgn="auto" latinLnBrk="0" hangingPunct="1">
+              <a:lnSpc>
+                <a:spcPct val="130000"/>
+              </a:lnSpc>
+              <a:spcBef>
+                <a:spcPts val="0"/>
+              </a:spcBef>
+              <a:spcAft>
+                <a:spcPts val="0"/>
+              </a:spcAft>
+              <a:buClr>
+                <a:schemeClr val="dk1"/>
+              </a:buClr>
+              <a:buSzPct val="100000"/>
+              <a:buFontTx/>
+              <a:buNone/>
+              <a:tabLst/>
+              <a:defRPr/>
+            </a:pPr>
+            <a:r>
+              <a:rPr lang="en-US" dirty="0"/>
+              <a:t>But we take requests!</a:t>
+            </a:r>
             <a:endParaRPr lang="en-US" dirty="0"/>
           </a:p>
         </p:txBody>
@@ -8181,23 +8213,6 @@
             </a:pPr>
             <a:r>
               <a:rPr lang="en-US" dirty="0" smtClean="0"/>
-              <a:t>What is a splat?</a:t>
-            </a:r>
-          </a:p>
-          <a:p>
-            <a:pPr marL="457200" lvl="0" indent="-419100">
-              <a:lnSpc>
-                <a:spcPct val="130000"/>
-              </a:lnSpc>
-              <a:buClr>
-                <a:schemeClr val="dk1"/>
-              </a:buClr>
-              <a:buSzPct val="100000"/>
-              <a:buFont typeface="Arial"/>
-              <a:buChar char="●"/>
-            </a:pPr>
-            <a:r>
-              <a:rPr lang="en-US" dirty="0" smtClean="0"/>
               <a:t>How do you print something to the console?</a:t>
             </a:r>
             <a:endParaRPr lang="en-US" dirty="0"/>
@@ -8350,23 +8365,7 @@
             </a:pPr>
             <a:r>
               <a:rPr lang="en-US" dirty="0" smtClean="0"/>
-              <a:t>What is </a:t>
-            </a:r>
-            <a:r>
-              <a:rPr lang="en" dirty="0">
-                <a:solidFill>
-                  <a:srgbClr val="006699"/>
-                </a:solidFill>
-                <a:latin typeface="Menlo Regular"/>
-                <a:ea typeface="Menlo Regular"/>
-                <a:cs typeface="Menlo Regular"/>
-                <a:sym typeface="Courier New"/>
-              </a:rPr>
-              <a:t>ARGV</a:t>
-            </a:r>
-            <a:r>
-              <a:rPr lang="en-US" dirty="0" smtClean="0"/>
-              <a:t>?</a:t>
+              <a:t>What is an argument?</a:t>
             </a:r>
           </a:p>
           <a:p>
@@ -8695,7 +8694,6 @@
               <a:rPr lang="en-US" dirty="0" smtClean="0"/>
               <a:t>():</a:t>
             </a:r>
-            <a:endParaRPr lang="en-US" dirty="0" smtClean="0"/>
           </a:p>
           <a:p>
             <a:pPr marL="38100" lvl="0" indent="0">
@@ -8712,7 +8710,6 @@
               <a:rPr lang="en-US" dirty="0" smtClean="0"/>
               <a:t>	# what the method does!</a:t>
             </a:r>
-            <a:endParaRPr lang="en-US" dirty="0" smtClean="0"/>
           </a:p>
           <a:p>
             <a:pPr marL="38100" lvl="0" indent="0">
@@ -8753,13 +8750,8 @@
             </a:pPr>
             <a:r>
               <a:rPr lang="en-US" dirty="0" smtClean="0"/>
-              <a:t>All methods start with a </a:t>
-            </a:r>
-            <a:r>
-              <a:rPr lang="en-US" dirty="0" smtClean="0"/>
-              <a:t>def.</a:t>
-            </a:r>
-            <a:endParaRPr lang="en-US" dirty="0" smtClean="0"/>
+              <a:t>All methods start with a def.</a:t>
+            </a:r>
           </a:p>
         </p:txBody>
       </p:sp>
@@ -8905,7 +8897,6 @@
               <a:rPr lang="en-US" dirty="0" smtClean="0"/>
               <a:t>():</a:t>
             </a:r>
-            <a:endParaRPr lang="en-US" dirty="0" smtClean="0"/>
           </a:p>
           <a:p>
             <a:pPr marL="38100" lvl="0" indent="0">
@@ -8922,7 +8913,6 @@
               <a:rPr lang="en-US" dirty="0" smtClean="0"/>
               <a:t>	…</a:t>
             </a:r>
-            <a:endParaRPr lang="en-US" dirty="0" smtClean="0"/>
           </a:p>
           <a:p>
             <a:pPr marL="38100" lvl="0" indent="0">
@@ -8939,7 +8929,6 @@
               <a:rPr lang="en-US" dirty="0" smtClean="0"/>
               <a:t>	…</a:t>
             </a:r>
-            <a:endParaRPr lang="en-US" dirty="0" smtClean="0"/>
           </a:p>
           <a:p>
             <a:pPr marL="38100" lvl="0" indent="0">
@@ -9176,7 +9165,6 @@
               <a:rPr lang="en-US" dirty="0" smtClean="0"/>
               <a:t>):</a:t>
             </a:r>
-            <a:endParaRPr lang="en-US" dirty="0" smtClean="0"/>
           </a:p>
           <a:p>
             <a:pPr marL="38100" lvl="0" indent="0">

--- a/2017/python/day2-review.pptx
+++ b/2017/python/day2-review.pptx
@@ -5,7 +5,7 @@
     <p:sldMasterId id="2147483648" r:id="rId1"/>
   </p:sldMasterIdLst>
   <p:notesMasterIdLst>
-    <p:notesMasterId r:id="rId21"/>
+    <p:notesMasterId r:id="rId12"/>
   </p:notesMasterIdLst>
   <p:sldIdLst>
     <p:sldId id="257" r:id="rId2"/>
@@ -16,17 +16,8 @@
     <p:sldId id="264" r:id="rId7"/>
     <p:sldId id="276" r:id="rId8"/>
     <p:sldId id="277" r:id="rId9"/>
-    <p:sldId id="275" r:id="rId10"/>
-    <p:sldId id="278" r:id="rId11"/>
-    <p:sldId id="279" r:id="rId12"/>
-    <p:sldId id="280" r:id="rId13"/>
-    <p:sldId id="265" r:id="rId14"/>
-    <p:sldId id="267" r:id="rId15"/>
-    <p:sldId id="268" r:id="rId16"/>
-    <p:sldId id="269" r:id="rId17"/>
-    <p:sldId id="271" r:id="rId18"/>
-    <p:sldId id="273" r:id="rId19"/>
-    <p:sldId id="272" r:id="rId20"/>
+    <p:sldId id="271" r:id="rId10"/>
+    <p:sldId id="272" r:id="rId11"/>
   </p:sldIdLst>
   <p:sldSz cx="9144000" cy="6858000" type="screen4x3"/>
   <p:notesSz cx="6858000" cy="9144000"/>
@@ -127,7 +118,7 @@
   </p:defaultTextStyle>
   <p:extLst>
     <p:ext uri="{EFAFB233-063F-42B5-8137-9DF3F51BA10A}">
-      <p15:sldGuideLst xmlns:p15="http://schemas.microsoft.com/office/powerpoint/2012/main">
+      <p15:sldGuideLst xmlns:p15="http://schemas.microsoft.com/office/powerpoint/2012/main" xmlns="">
         <p15:guide id="1" orient="horz" pos="2160">
           <p15:clr>
             <a:srgbClr val="A4A3A4"/>
@@ -226,7 +217,7 @@
           <a:p>
             <a:fld id="{91BDCAE1-DC13-3545-841A-A4DBCAED93AF}" type="datetimeFigureOut">
               <a:rPr lang="en-US" smtClean="0"/>
-              <a:t>6/2/17</a:t>
+              <a:t>6/7/17</a:t>
             </a:fld>
             <a:endParaRPr lang="en-US"/>
           </a:p>
@@ -716,7 +707,7 @@
     </p:spTree>
     <p:extLst>
       <p:ext uri="{BB962C8B-B14F-4D97-AF65-F5344CB8AC3E}">
-        <p14:creationId xmlns:p14="http://schemas.microsoft.com/office/powerpoint/2010/main" val="3052906736"/>
+        <p14:creationId xmlns:p14="http://schemas.microsoft.com/office/powerpoint/2010/main" val="2384900118"/>
       </p:ext>
     </p:extLst>
   </p:cSld>
@@ -726,7 +717,7 @@
 </p:notes>
 </file>
 
-<file path=ppt/notesSlides/notesSlide11.xml><?xml version="1.0" encoding="utf-8"?>
+<file path=ppt/notesSlides/notesSlide2.xml><?xml version="1.0" encoding="utf-8"?>
 <p:notes xmlns:a="http://schemas.openxmlformats.org/drawingml/2006/main" xmlns:r="http://schemas.openxmlformats.org/officeDocument/2006/relationships" xmlns:p="http://schemas.openxmlformats.org/presentationml/2006/main" showMasterSp="0" showMasterPhAnim="0">
   <p:cSld>
     <p:spTree>
@@ -832,7 +823,7 @@
     </p:spTree>
     <p:extLst>
       <p:ext uri="{BB962C8B-B14F-4D97-AF65-F5344CB8AC3E}">
-        <p14:creationId xmlns:p14="http://schemas.microsoft.com/office/powerpoint/2010/main" val="4045234991"/>
+        <p14:creationId xmlns:p14="http://schemas.microsoft.com/office/powerpoint/2010/main" val="1753150728"/>
       </p:ext>
     </p:extLst>
   </p:cSld>
@@ -842,7 +833,7 @@
 </p:notes>
 </file>
 
-<file path=ppt/notesSlides/notesSlide12.xml><?xml version="1.0" encoding="utf-8"?>
+<file path=ppt/notesSlides/notesSlide3.xml><?xml version="1.0" encoding="utf-8"?>
 <p:notes xmlns:a="http://schemas.openxmlformats.org/drawingml/2006/main" xmlns:r="http://schemas.openxmlformats.org/officeDocument/2006/relationships" xmlns:p="http://schemas.openxmlformats.org/presentationml/2006/main" showMasterSp="0" showMasterPhAnim="0">
   <p:cSld>
     <p:spTree>
@@ -948,7 +939,7 @@
     </p:spTree>
     <p:extLst>
       <p:ext uri="{BB962C8B-B14F-4D97-AF65-F5344CB8AC3E}">
-        <p14:creationId xmlns:p14="http://schemas.microsoft.com/office/powerpoint/2010/main" val="138821827"/>
+        <p14:creationId xmlns:p14="http://schemas.microsoft.com/office/powerpoint/2010/main" val="447221675"/>
       </p:ext>
     </p:extLst>
   </p:cSld>
@@ -958,7 +949,7 @@
 </p:notes>
 </file>
 
-<file path=ppt/notesSlides/notesSlide13.xml><?xml version="1.0" encoding="utf-8"?>
+<file path=ppt/notesSlides/notesSlide4.xml><?xml version="1.0" encoding="utf-8"?>
 <p:notes xmlns:a="http://schemas.openxmlformats.org/drawingml/2006/main" xmlns:r="http://schemas.openxmlformats.org/officeDocument/2006/relationships" xmlns:p="http://schemas.openxmlformats.org/presentationml/2006/main" showMasterSp="0" showMasterPhAnim="0">
   <p:cSld>
     <p:spTree>
@@ -1064,7 +1055,7 @@
     </p:spTree>
     <p:extLst>
       <p:ext uri="{BB962C8B-B14F-4D97-AF65-F5344CB8AC3E}">
-        <p14:creationId xmlns:p14="http://schemas.microsoft.com/office/powerpoint/2010/main" val="2189643892"/>
+        <p14:creationId xmlns:p14="http://schemas.microsoft.com/office/powerpoint/2010/main" val="3578302259"/>
       </p:ext>
     </p:extLst>
   </p:cSld>
@@ -1074,7 +1065,7 @@
 </p:notes>
 </file>
 
-<file path=ppt/notesSlides/notesSlide14.xml><?xml version="1.0" encoding="utf-8"?>
+<file path=ppt/notesSlides/notesSlide5.xml><?xml version="1.0" encoding="utf-8"?>
 <p:notes xmlns:a="http://schemas.openxmlformats.org/drawingml/2006/main" xmlns:r="http://schemas.openxmlformats.org/officeDocument/2006/relationships" xmlns:p="http://schemas.openxmlformats.org/presentationml/2006/main" showMasterSp="0" showMasterPhAnim="0">
   <p:cSld>
     <p:spTree>
@@ -1180,7 +1171,7 @@
     </p:spTree>
     <p:extLst>
       <p:ext uri="{BB962C8B-B14F-4D97-AF65-F5344CB8AC3E}">
-        <p14:creationId xmlns:p14="http://schemas.microsoft.com/office/powerpoint/2010/main" val="3046462791"/>
+        <p14:creationId xmlns:p14="http://schemas.microsoft.com/office/powerpoint/2010/main" val="3124371085"/>
       </p:ext>
     </p:extLst>
   </p:cSld>
@@ -1190,7 +1181,7 @@
 </p:notes>
 </file>
 
-<file path=ppt/notesSlides/notesSlide15.xml><?xml version="1.0" encoding="utf-8"?>
+<file path=ppt/notesSlides/notesSlide6.xml><?xml version="1.0" encoding="utf-8"?>
 <p:notes xmlns:a="http://schemas.openxmlformats.org/drawingml/2006/main" xmlns:r="http://schemas.openxmlformats.org/officeDocument/2006/relationships" xmlns:p="http://schemas.openxmlformats.org/presentationml/2006/main" showMasterSp="0" showMasterPhAnim="0">
   <p:cSld>
     <p:spTree>
@@ -1296,7 +1287,7 @@
     </p:spTree>
     <p:extLst>
       <p:ext uri="{BB962C8B-B14F-4D97-AF65-F5344CB8AC3E}">
-        <p14:creationId xmlns:p14="http://schemas.microsoft.com/office/powerpoint/2010/main" val="1764306385"/>
+        <p14:creationId xmlns:p14="http://schemas.microsoft.com/office/powerpoint/2010/main" val="1945498219"/>
       </p:ext>
     </p:extLst>
   </p:cSld>
@@ -1306,7 +1297,7 @@
 </p:notes>
 </file>
 
-<file path=ppt/notesSlides/notesSlide16.xml><?xml version="1.0" encoding="utf-8"?>
+<file path=ppt/notesSlides/notesSlide7.xml><?xml version="1.0" encoding="utf-8"?>
 <p:notes xmlns:a="http://schemas.openxmlformats.org/drawingml/2006/main" xmlns:r="http://schemas.openxmlformats.org/officeDocument/2006/relationships" xmlns:p="http://schemas.openxmlformats.org/presentationml/2006/main" showMasterSp="0" showMasterPhAnim="0">
   <p:cSld>
     <p:spTree>
@@ -1412,7 +1403,7 @@
     </p:spTree>
     <p:extLst>
       <p:ext uri="{BB962C8B-B14F-4D97-AF65-F5344CB8AC3E}">
-        <p14:creationId xmlns:p14="http://schemas.microsoft.com/office/powerpoint/2010/main" val="1603460421"/>
+        <p14:creationId xmlns:p14="http://schemas.microsoft.com/office/powerpoint/2010/main" val="3768753353"/>
       </p:ext>
     </p:extLst>
   </p:cSld>
@@ -1422,7 +1413,7 @@
 </p:notes>
 </file>
 
-<file path=ppt/notesSlides/notesSlide17.xml><?xml version="1.0" encoding="utf-8"?>
+<file path=ppt/notesSlides/notesSlide8.xml><?xml version="1.0" encoding="utf-8"?>
 <p:notes xmlns:a="http://schemas.openxmlformats.org/drawingml/2006/main" xmlns:r="http://schemas.openxmlformats.org/officeDocument/2006/relationships" xmlns:p="http://schemas.openxmlformats.org/presentationml/2006/main" showMasterSp="0" showMasterPhAnim="0">
   <p:cSld>
     <p:spTree>
@@ -1528,7 +1519,7 @@
     </p:spTree>
     <p:extLst>
       <p:ext uri="{BB962C8B-B14F-4D97-AF65-F5344CB8AC3E}">
-        <p14:creationId xmlns:p14="http://schemas.microsoft.com/office/powerpoint/2010/main" val="313835488"/>
+        <p14:creationId xmlns:p14="http://schemas.microsoft.com/office/powerpoint/2010/main" val="3876928790"/>
       </p:ext>
     </p:extLst>
   </p:cSld>
@@ -1538,7 +1529,7 @@
 </p:notes>
 </file>
 
-<file path=ppt/notesSlides/notesSlide18.xml><?xml version="1.0" encoding="utf-8"?>
+<file path=ppt/notesSlides/notesSlide9.xml><?xml version="1.0" encoding="utf-8"?>
 <p:notes xmlns:a="http://schemas.openxmlformats.org/drawingml/2006/main" xmlns:r="http://schemas.openxmlformats.org/officeDocument/2006/relationships" xmlns:p="http://schemas.openxmlformats.org/presentationml/2006/main" showMasterSp="0" showMasterPhAnim="0">
   <p:cSld>
     <p:spTree>
@@ -1644,935 +1635,7 @@
     </p:spTree>
     <p:extLst>
       <p:ext uri="{BB962C8B-B14F-4D97-AF65-F5344CB8AC3E}">
-        <p14:creationId xmlns:p14="http://schemas.microsoft.com/office/powerpoint/2010/main" val="2384900118"/>
-      </p:ext>
-    </p:extLst>
-  </p:cSld>
-  <p:clrMapOvr>
-    <a:masterClrMapping/>
-  </p:clrMapOvr>
-</p:notes>
-</file>
-
-<file path=ppt/notesSlides/notesSlide2.xml><?xml version="1.0" encoding="utf-8"?>
-<p:notes xmlns:a="http://schemas.openxmlformats.org/drawingml/2006/main" xmlns:r="http://schemas.openxmlformats.org/officeDocument/2006/relationships" xmlns:p="http://schemas.openxmlformats.org/presentationml/2006/main" showMasterSp="0" showMasterPhAnim="0">
-  <p:cSld>
-    <p:spTree>
-      <p:nvGrpSpPr>
-        <p:cNvPr id="1" name="Shape 31"/>
-        <p:cNvGrpSpPr/>
-        <p:nvPr/>
-      </p:nvGrpSpPr>
-      <p:grpSpPr>
-        <a:xfrm>
-          <a:off x="0" y="0"/>
-          <a:ext cx="0" cy="0"/>
-          <a:chOff x="0" y="0"/>
-          <a:chExt cx="0" cy="0"/>
-        </a:xfrm>
-      </p:grpSpPr>
-      <p:sp>
-        <p:nvSpPr>
-          <p:cNvPr id="32" name="Shape 32"/>
-          <p:cNvSpPr>
-            <a:spLocks noGrp="1" noRot="1" noChangeAspect="1"/>
-          </p:cNvSpPr>
-          <p:nvPr>
-            <p:ph type="sldImg" idx="2"/>
-          </p:nvPr>
-        </p:nvSpPr>
-        <p:spPr>
-          <a:xfrm>
-            <a:off x="1143000" y="685800"/>
-            <a:ext cx="4572000" cy="3429000"/>
-          </a:xfrm>
-          <a:custGeom>
-            <a:avLst/>
-            <a:gdLst/>
-            <a:ahLst/>
-            <a:cxnLst/>
-            <a:rect l="0" t="0" r="0" b="0"/>
-            <a:pathLst>
-              <a:path w="120000" h="120000" extrusionOk="0">
-                <a:moveTo>
-                  <a:pt x="0" y="0"/>
-                </a:moveTo>
-                <a:lnTo>
-                  <a:pt x="120000" y="0"/>
-                </a:lnTo>
-                <a:lnTo>
-                  <a:pt x="120000" y="120000"/>
-                </a:lnTo>
-                <a:lnTo>
-                  <a:pt x="0" y="120000"/>
-                </a:lnTo>
-                <a:close/>
-              </a:path>
-            </a:pathLst>
-          </a:custGeom>
-          <a:noFill/>
-          <a:ln w="9525" cap="flat">
-            <a:solidFill>
-              <a:srgbClr val="000000"/>
-            </a:solidFill>
-            <a:prstDash val="solid"/>
-            <a:round/>
-            <a:headEnd type="none" w="med" len="med"/>
-            <a:tailEnd type="none" w="med" len="med"/>
-          </a:ln>
-        </p:spPr>
-      </p:sp>
-      <p:sp>
-        <p:nvSpPr>
-          <p:cNvPr id="33" name="Shape 33"/>
-          <p:cNvSpPr txBox="1">
-            <a:spLocks noGrp="1"/>
-          </p:cNvSpPr>
-          <p:nvPr>
-            <p:ph type="body" idx="1"/>
-          </p:nvPr>
-        </p:nvSpPr>
-        <p:spPr>
-          <a:xfrm>
-            <a:off x="685800" y="4343400"/>
-            <a:ext cx="5486399" cy="4114800"/>
-          </a:xfrm>
-          <a:prstGeom prst="rect">
-            <a:avLst/>
-          </a:prstGeom>
-        </p:spPr>
-        <p:txBody>
-          <a:bodyPr lIns="91425" tIns="91425" rIns="91425" bIns="91425" anchor="t" anchorCtr="0">
-            <a:noAutofit/>
-          </a:bodyPr>
-          <a:lstStyle/>
-          <a:p>
-            <a:pPr>
-              <a:spcBef>
-                <a:spcPts val="0"/>
-              </a:spcBef>
-              <a:buNone/>
-            </a:pPr>
-            <a:endParaRPr/>
-          </a:p>
-        </p:txBody>
-      </p:sp>
-    </p:spTree>
-    <p:extLst>
-      <p:ext uri="{BB962C8B-B14F-4D97-AF65-F5344CB8AC3E}">
-        <p14:creationId xmlns:p14="http://schemas.microsoft.com/office/powerpoint/2010/main" val="1753150728"/>
-      </p:ext>
-    </p:extLst>
-  </p:cSld>
-  <p:clrMapOvr>
-    <a:masterClrMapping/>
-  </p:clrMapOvr>
-</p:notes>
-</file>
-
-<file path=ppt/notesSlides/notesSlide3.xml><?xml version="1.0" encoding="utf-8"?>
-<p:notes xmlns:a="http://schemas.openxmlformats.org/drawingml/2006/main" xmlns:r="http://schemas.openxmlformats.org/officeDocument/2006/relationships" xmlns:p="http://schemas.openxmlformats.org/presentationml/2006/main" showMasterSp="0" showMasterPhAnim="0">
-  <p:cSld>
-    <p:spTree>
-      <p:nvGrpSpPr>
-        <p:cNvPr id="1" name="Shape 31"/>
-        <p:cNvGrpSpPr/>
-        <p:nvPr/>
-      </p:nvGrpSpPr>
-      <p:grpSpPr>
-        <a:xfrm>
-          <a:off x="0" y="0"/>
-          <a:ext cx="0" cy="0"/>
-          <a:chOff x="0" y="0"/>
-          <a:chExt cx="0" cy="0"/>
-        </a:xfrm>
-      </p:grpSpPr>
-      <p:sp>
-        <p:nvSpPr>
-          <p:cNvPr id="32" name="Shape 32"/>
-          <p:cNvSpPr>
-            <a:spLocks noGrp="1" noRot="1" noChangeAspect="1"/>
-          </p:cNvSpPr>
-          <p:nvPr>
-            <p:ph type="sldImg" idx="2"/>
-          </p:nvPr>
-        </p:nvSpPr>
-        <p:spPr>
-          <a:xfrm>
-            <a:off x="1143000" y="685800"/>
-            <a:ext cx="4572000" cy="3429000"/>
-          </a:xfrm>
-          <a:custGeom>
-            <a:avLst/>
-            <a:gdLst/>
-            <a:ahLst/>
-            <a:cxnLst/>
-            <a:rect l="0" t="0" r="0" b="0"/>
-            <a:pathLst>
-              <a:path w="120000" h="120000" extrusionOk="0">
-                <a:moveTo>
-                  <a:pt x="0" y="0"/>
-                </a:moveTo>
-                <a:lnTo>
-                  <a:pt x="120000" y="0"/>
-                </a:lnTo>
-                <a:lnTo>
-                  <a:pt x="120000" y="120000"/>
-                </a:lnTo>
-                <a:lnTo>
-                  <a:pt x="0" y="120000"/>
-                </a:lnTo>
-                <a:close/>
-              </a:path>
-            </a:pathLst>
-          </a:custGeom>
-          <a:noFill/>
-          <a:ln w="9525" cap="flat">
-            <a:solidFill>
-              <a:srgbClr val="000000"/>
-            </a:solidFill>
-            <a:prstDash val="solid"/>
-            <a:round/>
-            <a:headEnd type="none" w="med" len="med"/>
-            <a:tailEnd type="none" w="med" len="med"/>
-          </a:ln>
-        </p:spPr>
-      </p:sp>
-      <p:sp>
-        <p:nvSpPr>
-          <p:cNvPr id="33" name="Shape 33"/>
-          <p:cNvSpPr txBox="1">
-            <a:spLocks noGrp="1"/>
-          </p:cNvSpPr>
-          <p:nvPr>
-            <p:ph type="body" idx="1"/>
-          </p:nvPr>
-        </p:nvSpPr>
-        <p:spPr>
-          <a:xfrm>
-            <a:off x="685800" y="4343400"/>
-            <a:ext cx="5486399" cy="4114800"/>
-          </a:xfrm>
-          <a:prstGeom prst="rect">
-            <a:avLst/>
-          </a:prstGeom>
-        </p:spPr>
-        <p:txBody>
-          <a:bodyPr lIns="91425" tIns="91425" rIns="91425" bIns="91425" anchor="t" anchorCtr="0">
-            <a:noAutofit/>
-          </a:bodyPr>
-          <a:lstStyle/>
-          <a:p>
-            <a:pPr>
-              <a:spcBef>
-                <a:spcPts val="0"/>
-              </a:spcBef>
-              <a:buNone/>
-            </a:pPr>
-            <a:endParaRPr/>
-          </a:p>
-        </p:txBody>
-      </p:sp>
-    </p:spTree>
-    <p:extLst>
-      <p:ext uri="{BB962C8B-B14F-4D97-AF65-F5344CB8AC3E}">
-        <p14:creationId xmlns:p14="http://schemas.microsoft.com/office/powerpoint/2010/main" val="447221675"/>
-      </p:ext>
-    </p:extLst>
-  </p:cSld>
-  <p:clrMapOvr>
-    <a:masterClrMapping/>
-  </p:clrMapOvr>
-</p:notes>
-</file>
-
-<file path=ppt/notesSlides/notesSlide4.xml><?xml version="1.0" encoding="utf-8"?>
-<p:notes xmlns:a="http://schemas.openxmlformats.org/drawingml/2006/main" xmlns:r="http://schemas.openxmlformats.org/officeDocument/2006/relationships" xmlns:p="http://schemas.openxmlformats.org/presentationml/2006/main" showMasterSp="0" showMasterPhAnim="0">
-  <p:cSld>
-    <p:spTree>
-      <p:nvGrpSpPr>
-        <p:cNvPr id="1" name="Shape 31"/>
-        <p:cNvGrpSpPr/>
-        <p:nvPr/>
-      </p:nvGrpSpPr>
-      <p:grpSpPr>
-        <a:xfrm>
-          <a:off x="0" y="0"/>
-          <a:ext cx="0" cy="0"/>
-          <a:chOff x="0" y="0"/>
-          <a:chExt cx="0" cy="0"/>
-        </a:xfrm>
-      </p:grpSpPr>
-      <p:sp>
-        <p:nvSpPr>
-          <p:cNvPr id="32" name="Shape 32"/>
-          <p:cNvSpPr>
-            <a:spLocks noGrp="1" noRot="1" noChangeAspect="1"/>
-          </p:cNvSpPr>
-          <p:nvPr>
-            <p:ph type="sldImg" idx="2"/>
-          </p:nvPr>
-        </p:nvSpPr>
-        <p:spPr>
-          <a:xfrm>
-            <a:off x="1143000" y="685800"/>
-            <a:ext cx="4572000" cy="3429000"/>
-          </a:xfrm>
-          <a:custGeom>
-            <a:avLst/>
-            <a:gdLst/>
-            <a:ahLst/>
-            <a:cxnLst/>
-            <a:rect l="0" t="0" r="0" b="0"/>
-            <a:pathLst>
-              <a:path w="120000" h="120000" extrusionOk="0">
-                <a:moveTo>
-                  <a:pt x="0" y="0"/>
-                </a:moveTo>
-                <a:lnTo>
-                  <a:pt x="120000" y="0"/>
-                </a:lnTo>
-                <a:lnTo>
-                  <a:pt x="120000" y="120000"/>
-                </a:lnTo>
-                <a:lnTo>
-                  <a:pt x="0" y="120000"/>
-                </a:lnTo>
-                <a:close/>
-              </a:path>
-            </a:pathLst>
-          </a:custGeom>
-          <a:noFill/>
-          <a:ln w="9525" cap="flat">
-            <a:solidFill>
-              <a:srgbClr val="000000"/>
-            </a:solidFill>
-            <a:prstDash val="solid"/>
-            <a:round/>
-            <a:headEnd type="none" w="med" len="med"/>
-            <a:tailEnd type="none" w="med" len="med"/>
-          </a:ln>
-        </p:spPr>
-      </p:sp>
-      <p:sp>
-        <p:nvSpPr>
-          <p:cNvPr id="33" name="Shape 33"/>
-          <p:cNvSpPr txBox="1">
-            <a:spLocks noGrp="1"/>
-          </p:cNvSpPr>
-          <p:nvPr>
-            <p:ph type="body" idx="1"/>
-          </p:nvPr>
-        </p:nvSpPr>
-        <p:spPr>
-          <a:xfrm>
-            <a:off x="685800" y="4343400"/>
-            <a:ext cx="5486399" cy="4114800"/>
-          </a:xfrm>
-          <a:prstGeom prst="rect">
-            <a:avLst/>
-          </a:prstGeom>
-        </p:spPr>
-        <p:txBody>
-          <a:bodyPr lIns="91425" tIns="91425" rIns="91425" bIns="91425" anchor="t" anchorCtr="0">
-            <a:noAutofit/>
-          </a:bodyPr>
-          <a:lstStyle/>
-          <a:p>
-            <a:pPr>
-              <a:spcBef>
-                <a:spcPts val="0"/>
-              </a:spcBef>
-              <a:buNone/>
-            </a:pPr>
-            <a:endParaRPr/>
-          </a:p>
-        </p:txBody>
-      </p:sp>
-    </p:spTree>
-    <p:extLst>
-      <p:ext uri="{BB962C8B-B14F-4D97-AF65-F5344CB8AC3E}">
-        <p14:creationId xmlns:p14="http://schemas.microsoft.com/office/powerpoint/2010/main" val="3578302259"/>
-      </p:ext>
-    </p:extLst>
-  </p:cSld>
-  <p:clrMapOvr>
-    <a:masterClrMapping/>
-  </p:clrMapOvr>
-</p:notes>
-</file>
-
-<file path=ppt/notesSlides/notesSlide5.xml><?xml version="1.0" encoding="utf-8"?>
-<p:notes xmlns:a="http://schemas.openxmlformats.org/drawingml/2006/main" xmlns:r="http://schemas.openxmlformats.org/officeDocument/2006/relationships" xmlns:p="http://schemas.openxmlformats.org/presentationml/2006/main" showMasterSp="0" showMasterPhAnim="0">
-  <p:cSld>
-    <p:spTree>
-      <p:nvGrpSpPr>
-        <p:cNvPr id="1" name="Shape 31"/>
-        <p:cNvGrpSpPr/>
-        <p:nvPr/>
-      </p:nvGrpSpPr>
-      <p:grpSpPr>
-        <a:xfrm>
-          <a:off x="0" y="0"/>
-          <a:ext cx="0" cy="0"/>
-          <a:chOff x="0" y="0"/>
-          <a:chExt cx="0" cy="0"/>
-        </a:xfrm>
-      </p:grpSpPr>
-      <p:sp>
-        <p:nvSpPr>
-          <p:cNvPr id="32" name="Shape 32"/>
-          <p:cNvSpPr>
-            <a:spLocks noGrp="1" noRot="1" noChangeAspect="1"/>
-          </p:cNvSpPr>
-          <p:nvPr>
-            <p:ph type="sldImg" idx="2"/>
-          </p:nvPr>
-        </p:nvSpPr>
-        <p:spPr>
-          <a:xfrm>
-            <a:off x="1143000" y="685800"/>
-            <a:ext cx="4572000" cy="3429000"/>
-          </a:xfrm>
-          <a:custGeom>
-            <a:avLst/>
-            <a:gdLst/>
-            <a:ahLst/>
-            <a:cxnLst/>
-            <a:rect l="0" t="0" r="0" b="0"/>
-            <a:pathLst>
-              <a:path w="120000" h="120000" extrusionOk="0">
-                <a:moveTo>
-                  <a:pt x="0" y="0"/>
-                </a:moveTo>
-                <a:lnTo>
-                  <a:pt x="120000" y="0"/>
-                </a:lnTo>
-                <a:lnTo>
-                  <a:pt x="120000" y="120000"/>
-                </a:lnTo>
-                <a:lnTo>
-                  <a:pt x="0" y="120000"/>
-                </a:lnTo>
-                <a:close/>
-              </a:path>
-            </a:pathLst>
-          </a:custGeom>
-          <a:noFill/>
-          <a:ln w="9525" cap="flat">
-            <a:solidFill>
-              <a:srgbClr val="000000"/>
-            </a:solidFill>
-            <a:prstDash val="solid"/>
-            <a:round/>
-            <a:headEnd type="none" w="med" len="med"/>
-            <a:tailEnd type="none" w="med" len="med"/>
-          </a:ln>
-        </p:spPr>
-      </p:sp>
-      <p:sp>
-        <p:nvSpPr>
-          <p:cNvPr id="33" name="Shape 33"/>
-          <p:cNvSpPr txBox="1">
-            <a:spLocks noGrp="1"/>
-          </p:cNvSpPr>
-          <p:nvPr>
-            <p:ph type="body" idx="1"/>
-          </p:nvPr>
-        </p:nvSpPr>
-        <p:spPr>
-          <a:xfrm>
-            <a:off x="685800" y="4343400"/>
-            <a:ext cx="5486399" cy="4114800"/>
-          </a:xfrm>
-          <a:prstGeom prst="rect">
-            <a:avLst/>
-          </a:prstGeom>
-        </p:spPr>
-        <p:txBody>
-          <a:bodyPr lIns="91425" tIns="91425" rIns="91425" bIns="91425" anchor="t" anchorCtr="0">
-            <a:noAutofit/>
-          </a:bodyPr>
-          <a:lstStyle/>
-          <a:p>
-            <a:pPr>
-              <a:spcBef>
-                <a:spcPts val="0"/>
-              </a:spcBef>
-              <a:buNone/>
-            </a:pPr>
-            <a:endParaRPr/>
-          </a:p>
-        </p:txBody>
-      </p:sp>
-    </p:spTree>
-    <p:extLst>
-      <p:ext uri="{BB962C8B-B14F-4D97-AF65-F5344CB8AC3E}">
-        <p14:creationId xmlns:p14="http://schemas.microsoft.com/office/powerpoint/2010/main" val="3124371085"/>
-      </p:ext>
-    </p:extLst>
-  </p:cSld>
-  <p:clrMapOvr>
-    <a:masterClrMapping/>
-  </p:clrMapOvr>
-</p:notes>
-</file>
-
-<file path=ppt/notesSlides/notesSlide6.xml><?xml version="1.0" encoding="utf-8"?>
-<p:notes xmlns:a="http://schemas.openxmlformats.org/drawingml/2006/main" xmlns:r="http://schemas.openxmlformats.org/officeDocument/2006/relationships" xmlns:p="http://schemas.openxmlformats.org/presentationml/2006/main" showMasterSp="0" showMasterPhAnim="0">
-  <p:cSld>
-    <p:spTree>
-      <p:nvGrpSpPr>
-        <p:cNvPr id="1" name="Shape 31"/>
-        <p:cNvGrpSpPr/>
-        <p:nvPr/>
-      </p:nvGrpSpPr>
-      <p:grpSpPr>
-        <a:xfrm>
-          <a:off x="0" y="0"/>
-          <a:ext cx="0" cy="0"/>
-          <a:chOff x="0" y="0"/>
-          <a:chExt cx="0" cy="0"/>
-        </a:xfrm>
-      </p:grpSpPr>
-      <p:sp>
-        <p:nvSpPr>
-          <p:cNvPr id="32" name="Shape 32"/>
-          <p:cNvSpPr>
-            <a:spLocks noGrp="1" noRot="1" noChangeAspect="1"/>
-          </p:cNvSpPr>
-          <p:nvPr>
-            <p:ph type="sldImg" idx="2"/>
-          </p:nvPr>
-        </p:nvSpPr>
-        <p:spPr>
-          <a:xfrm>
-            <a:off x="1143000" y="685800"/>
-            <a:ext cx="4572000" cy="3429000"/>
-          </a:xfrm>
-          <a:custGeom>
-            <a:avLst/>
-            <a:gdLst/>
-            <a:ahLst/>
-            <a:cxnLst/>
-            <a:rect l="0" t="0" r="0" b="0"/>
-            <a:pathLst>
-              <a:path w="120000" h="120000" extrusionOk="0">
-                <a:moveTo>
-                  <a:pt x="0" y="0"/>
-                </a:moveTo>
-                <a:lnTo>
-                  <a:pt x="120000" y="0"/>
-                </a:lnTo>
-                <a:lnTo>
-                  <a:pt x="120000" y="120000"/>
-                </a:lnTo>
-                <a:lnTo>
-                  <a:pt x="0" y="120000"/>
-                </a:lnTo>
-                <a:close/>
-              </a:path>
-            </a:pathLst>
-          </a:custGeom>
-          <a:noFill/>
-          <a:ln w="9525" cap="flat">
-            <a:solidFill>
-              <a:srgbClr val="000000"/>
-            </a:solidFill>
-            <a:prstDash val="solid"/>
-            <a:round/>
-            <a:headEnd type="none" w="med" len="med"/>
-            <a:tailEnd type="none" w="med" len="med"/>
-          </a:ln>
-        </p:spPr>
-      </p:sp>
-      <p:sp>
-        <p:nvSpPr>
-          <p:cNvPr id="33" name="Shape 33"/>
-          <p:cNvSpPr txBox="1">
-            <a:spLocks noGrp="1"/>
-          </p:cNvSpPr>
-          <p:nvPr>
-            <p:ph type="body" idx="1"/>
-          </p:nvPr>
-        </p:nvSpPr>
-        <p:spPr>
-          <a:xfrm>
-            <a:off x="685800" y="4343400"/>
-            <a:ext cx="5486399" cy="4114800"/>
-          </a:xfrm>
-          <a:prstGeom prst="rect">
-            <a:avLst/>
-          </a:prstGeom>
-        </p:spPr>
-        <p:txBody>
-          <a:bodyPr lIns="91425" tIns="91425" rIns="91425" bIns="91425" anchor="t" anchorCtr="0">
-            <a:noAutofit/>
-          </a:bodyPr>
-          <a:lstStyle/>
-          <a:p>
-            <a:pPr>
-              <a:spcBef>
-                <a:spcPts val="0"/>
-              </a:spcBef>
-              <a:buNone/>
-            </a:pPr>
-            <a:endParaRPr/>
-          </a:p>
-        </p:txBody>
-      </p:sp>
-    </p:spTree>
-    <p:extLst>
-      <p:ext uri="{BB962C8B-B14F-4D97-AF65-F5344CB8AC3E}">
-        <p14:creationId xmlns:p14="http://schemas.microsoft.com/office/powerpoint/2010/main" val="1945498219"/>
-      </p:ext>
-    </p:extLst>
-  </p:cSld>
-  <p:clrMapOvr>
-    <a:masterClrMapping/>
-  </p:clrMapOvr>
-</p:notes>
-</file>
-
-<file path=ppt/notesSlides/notesSlide7.xml><?xml version="1.0" encoding="utf-8"?>
-<p:notes xmlns:a="http://schemas.openxmlformats.org/drawingml/2006/main" xmlns:r="http://schemas.openxmlformats.org/officeDocument/2006/relationships" xmlns:p="http://schemas.openxmlformats.org/presentationml/2006/main" showMasterSp="0" showMasterPhAnim="0">
-  <p:cSld>
-    <p:spTree>
-      <p:nvGrpSpPr>
-        <p:cNvPr id="1" name="Shape 31"/>
-        <p:cNvGrpSpPr/>
-        <p:nvPr/>
-      </p:nvGrpSpPr>
-      <p:grpSpPr>
-        <a:xfrm>
-          <a:off x="0" y="0"/>
-          <a:ext cx="0" cy="0"/>
-          <a:chOff x="0" y="0"/>
-          <a:chExt cx="0" cy="0"/>
-        </a:xfrm>
-      </p:grpSpPr>
-      <p:sp>
-        <p:nvSpPr>
-          <p:cNvPr id="32" name="Shape 32"/>
-          <p:cNvSpPr>
-            <a:spLocks noGrp="1" noRot="1" noChangeAspect="1"/>
-          </p:cNvSpPr>
-          <p:nvPr>
-            <p:ph type="sldImg" idx="2"/>
-          </p:nvPr>
-        </p:nvSpPr>
-        <p:spPr>
-          <a:xfrm>
-            <a:off x="1143000" y="685800"/>
-            <a:ext cx="4572000" cy="3429000"/>
-          </a:xfrm>
-          <a:custGeom>
-            <a:avLst/>
-            <a:gdLst/>
-            <a:ahLst/>
-            <a:cxnLst/>
-            <a:rect l="0" t="0" r="0" b="0"/>
-            <a:pathLst>
-              <a:path w="120000" h="120000" extrusionOk="0">
-                <a:moveTo>
-                  <a:pt x="0" y="0"/>
-                </a:moveTo>
-                <a:lnTo>
-                  <a:pt x="120000" y="0"/>
-                </a:lnTo>
-                <a:lnTo>
-                  <a:pt x="120000" y="120000"/>
-                </a:lnTo>
-                <a:lnTo>
-                  <a:pt x="0" y="120000"/>
-                </a:lnTo>
-                <a:close/>
-              </a:path>
-            </a:pathLst>
-          </a:custGeom>
-          <a:noFill/>
-          <a:ln w="9525" cap="flat">
-            <a:solidFill>
-              <a:srgbClr val="000000"/>
-            </a:solidFill>
-            <a:prstDash val="solid"/>
-            <a:round/>
-            <a:headEnd type="none" w="med" len="med"/>
-            <a:tailEnd type="none" w="med" len="med"/>
-          </a:ln>
-        </p:spPr>
-      </p:sp>
-      <p:sp>
-        <p:nvSpPr>
-          <p:cNvPr id="33" name="Shape 33"/>
-          <p:cNvSpPr txBox="1">
-            <a:spLocks noGrp="1"/>
-          </p:cNvSpPr>
-          <p:nvPr>
-            <p:ph type="body" idx="1"/>
-          </p:nvPr>
-        </p:nvSpPr>
-        <p:spPr>
-          <a:xfrm>
-            <a:off x="685800" y="4343400"/>
-            <a:ext cx="5486399" cy="4114800"/>
-          </a:xfrm>
-          <a:prstGeom prst="rect">
-            <a:avLst/>
-          </a:prstGeom>
-        </p:spPr>
-        <p:txBody>
-          <a:bodyPr lIns="91425" tIns="91425" rIns="91425" bIns="91425" anchor="t" anchorCtr="0">
-            <a:noAutofit/>
-          </a:bodyPr>
-          <a:lstStyle/>
-          <a:p>
-            <a:pPr>
-              <a:spcBef>
-                <a:spcPts val="0"/>
-              </a:spcBef>
-              <a:buNone/>
-            </a:pPr>
-            <a:endParaRPr/>
-          </a:p>
-        </p:txBody>
-      </p:sp>
-    </p:spTree>
-    <p:extLst>
-      <p:ext uri="{BB962C8B-B14F-4D97-AF65-F5344CB8AC3E}">
-        <p14:creationId xmlns:p14="http://schemas.microsoft.com/office/powerpoint/2010/main" val="3768753353"/>
-      </p:ext>
-    </p:extLst>
-  </p:cSld>
-  <p:clrMapOvr>
-    <a:masterClrMapping/>
-  </p:clrMapOvr>
-</p:notes>
-</file>
-
-<file path=ppt/notesSlides/notesSlide8.xml><?xml version="1.0" encoding="utf-8"?>
-<p:notes xmlns:a="http://schemas.openxmlformats.org/drawingml/2006/main" xmlns:r="http://schemas.openxmlformats.org/officeDocument/2006/relationships" xmlns:p="http://schemas.openxmlformats.org/presentationml/2006/main" showMasterSp="0" showMasterPhAnim="0">
-  <p:cSld>
-    <p:spTree>
-      <p:nvGrpSpPr>
-        <p:cNvPr id="1" name="Shape 31"/>
-        <p:cNvGrpSpPr/>
-        <p:nvPr/>
-      </p:nvGrpSpPr>
-      <p:grpSpPr>
-        <a:xfrm>
-          <a:off x="0" y="0"/>
-          <a:ext cx="0" cy="0"/>
-          <a:chOff x="0" y="0"/>
-          <a:chExt cx="0" cy="0"/>
-        </a:xfrm>
-      </p:grpSpPr>
-      <p:sp>
-        <p:nvSpPr>
-          <p:cNvPr id="32" name="Shape 32"/>
-          <p:cNvSpPr>
-            <a:spLocks noGrp="1" noRot="1" noChangeAspect="1"/>
-          </p:cNvSpPr>
-          <p:nvPr>
-            <p:ph type="sldImg" idx="2"/>
-          </p:nvPr>
-        </p:nvSpPr>
-        <p:spPr>
-          <a:xfrm>
-            <a:off x="1143000" y="685800"/>
-            <a:ext cx="4572000" cy="3429000"/>
-          </a:xfrm>
-          <a:custGeom>
-            <a:avLst/>
-            <a:gdLst/>
-            <a:ahLst/>
-            <a:cxnLst/>
-            <a:rect l="0" t="0" r="0" b="0"/>
-            <a:pathLst>
-              <a:path w="120000" h="120000" extrusionOk="0">
-                <a:moveTo>
-                  <a:pt x="0" y="0"/>
-                </a:moveTo>
-                <a:lnTo>
-                  <a:pt x="120000" y="0"/>
-                </a:lnTo>
-                <a:lnTo>
-                  <a:pt x="120000" y="120000"/>
-                </a:lnTo>
-                <a:lnTo>
-                  <a:pt x="0" y="120000"/>
-                </a:lnTo>
-                <a:close/>
-              </a:path>
-            </a:pathLst>
-          </a:custGeom>
-          <a:noFill/>
-          <a:ln w="9525" cap="flat">
-            <a:solidFill>
-              <a:srgbClr val="000000"/>
-            </a:solidFill>
-            <a:prstDash val="solid"/>
-            <a:round/>
-            <a:headEnd type="none" w="med" len="med"/>
-            <a:tailEnd type="none" w="med" len="med"/>
-          </a:ln>
-        </p:spPr>
-      </p:sp>
-      <p:sp>
-        <p:nvSpPr>
-          <p:cNvPr id="33" name="Shape 33"/>
-          <p:cNvSpPr txBox="1">
-            <a:spLocks noGrp="1"/>
-          </p:cNvSpPr>
-          <p:nvPr>
-            <p:ph type="body" idx="1"/>
-          </p:nvPr>
-        </p:nvSpPr>
-        <p:spPr>
-          <a:xfrm>
-            <a:off x="685800" y="4343400"/>
-            <a:ext cx="5486399" cy="4114800"/>
-          </a:xfrm>
-          <a:prstGeom prst="rect">
-            <a:avLst/>
-          </a:prstGeom>
-        </p:spPr>
-        <p:txBody>
-          <a:bodyPr lIns="91425" tIns="91425" rIns="91425" bIns="91425" anchor="t" anchorCtr="0">
-            <a:noAutofit/>
-          </a:bodyPr>
-          <a:lstStyle/>
-          <a:p>
-            <a:pPr>
-              <a:spcBef>
-                <a:spcPts val="0"/>
-              </a:spcBef>
-              <a:buNone/>
-            </a:pPr>
-            <a:endParaRPr/>
-          </a:p>
-        </p:txBody>
-      </p:sp>
-    </p:spTree>
-    <p:extLst>
-      <p:ext uri="{BB962C8B-B14F-4D97-AF65-F5344CB8AC3E}">
-        <p14:creationId xmlns:p14="http://schemas.microsoft.com/office/powerpoint/2010/main" val="3876928790"/>
-      </p:ext>
-    </p:extLst>
-  </p:cSld>
-  <p:clrMapOvr>
-    <a:masterClrMapping/>
-  </p:clrMapOvr>
-</p:notes>
-</file>
-
-<file path=ppt/notesSlides/notesSlide9.xml><?xml version="1.0" encoding="utf-8"?>
-<p:notes xmlns:a="http://schemas.openxmlformats.org/drawingml/2006/main" xmlns:r="http://schemas.openxmlformats.org/officeDocument/2006/relationships" xmlns:p="http://schemas.openxmlformats.org/presentationml/2006/main" showMasterSp="0" showMasterPhAnim="0">
-  <p:cSld>
-    <p:spTree>
-      <p:nvGrpSpPr>
-        <p:cNvPr id="1" name="Shape 31"/>
-        <p:cNvGrpSpPr/>
-        <p:nvPr/>
-      </p:nvGrpSpPr>
-      <p:grpSpPr>
-        <a:xfrm>
-          <a:off x="0" y="0"/>
-          <a:ext cx="0" cy="0"/>
-          <a:chOff x="0" y="0"/>
-          <a:chExt cx="0" cy="0"/>
-        </a:xfrm>
-      </p:grpSpPr>
-      <p:sp>
-        <p:nvSpPr>
-          <p:cNvPr id="32" name="Shape 32"/>
-          <p:cNvSpPr>
-            <a:spLocks noGrp="1" noRot="1" noChangeAspect="1"/>
-          </p:cNvSpPr>
-          <p:nvPr>
-            <p:ph type="sldImg" idx="2"/>
-          </p:nvPr>
-        </p:nvSpPr>
-        <p:spPr>
-          <a:xfrm>
-            <a:off x="1143000" y="685800"/>
-            <a:ext cx="4572000" cy="3429000"/>
-          </a:xfrm>
-          <a:custGeom>
-            <a:avLst/>
-            <a:gdLst/>
-            <a:ahLst/>
-            <a:cxnLst/>
-            <a:rect l="0" t="0" r="0" b="0"/>
-            <a:pathLst>
-              <a:path w="120000" h="120000" extrusionOk="0">
-                <a:moveTo>
-                  <a:pt x="0" y="0"/>
-                </a:moveTo>
-                <a:lnTo>
-                  <a:pt x="120000" y="0"/>
-                </a:lnTo>
-                <a:lnTo>
-                  <a:pt x="120000" y="120000"/>
-                </a:lnTo>
-                <a:lnTo>
-                  <a:pt x="0" y="120000"/>
-                </a:lnTo>
-                <a:close/>
-              </a:path>
-            </a:pathLst>
-          </a:custGeom>
-          <a:noFill/>
-          <a:ln w="9525" cap="flat">
-            <a:solidFill>
-              <a:srgbClr val="000000"/>
-            </a:solidFill>
-            <a:prstDash val="solid"/>
-            <a:round/>
-            <a:headEnd type="none" w="med" len="med"/>
-            <a:tailEnd type="none" w="med" len="med"/>
-          </a:ln>
-        </p:spPr>
-      </p:sp>
-      <p:sp>
-        <p:nvSpPr>
-          <p:cNvPr id="33" name="Shape 33"/>
-          <p:cNvSpPr txBox="1">
-            <a:spLocks noGrp="1"/>
-          </p:cNvSpPr>
-          <p:nvPr>
-            <p:ph type="body" idx="1"/>
-          </p:nvPr>
-        </p:nvSpPr>
-        <p:spPr>
-          <a:xfrm>
-            <a:off x="685800" y="4343400"/>
-            <a:ext cx="5486399" cy="4114800"/>
-          </a:xfrm>
-          <a:prstGeom prst="rect">
-            <a:avLst/>
-          </a:prstGeom>
-        </p:spPr>
-        <p:txBody>
-          <a:bodyPr lIns="91425" tIns="91425" rIns="91425" bIns="91425" anchor="t" anchorCtr="0">
-            <a:noAutofit/>
-          </a:bodyPr>
-          <a:lstStyle/>
-          <a:p>
-            <a:pPr>
-              <a:spcBef>
-                <a:spcPts val="0"/>
-              </a:spcBef>
-              <a:buNone/>
-            </a:pPr>
-            <a:endParaRPr/>
-          </a:p>
-        </p:txBody>
-      </p:sp>
-    </p:spTree>
-    <p:extLst>
-      <p:ext uri="{BB962C8B-B14F-4D97-AF65-F5344CB8AC3E}">
-        <p14:creationId xmlns:p14="http://schemas.microsoft.com/office/powerpoint/2010/main" val="3987200124"/>
+        <p14:creationId xmlns:p14="http://schemas.microsoft.com/office/powerpoint/2010/main" val="1603460421"/>
       </p:ext>
     </p:extLst>
   </p:cSld>
@@ -2763,7 +1826,7 @@
           <a:p>
             <a:fld id="{7C780E36-1438-D74D-8D9C-3089FABA7E39}" type="datetimeFigureOut">
               <a:rPr lang="en-US" smtClean="0"/>
-              <a:t>6/2/17</a:t>
+              <a:t>6/7/17</a:t>
             </a:fld>
             <a:endParaRPr lang="en-US"/>
           </a:p>
@@ -2933,7 +1996,7 @@
           <a:p>
             <a:fld id="{7C780E36-1438-D74D-8D9C-3089FABA7E39}" type="datetimeFigureOut">
               <a:rPr lang="en-US" smtClean="0"/>
-              <a:t>6/2/17</a:t>
+              <a:t>6/7/17</a:t>
             </a:fld>
             <a:endParaRPr lang="en-US"/>
           </a:p>
@@ -3113,7 +2176,7 @@
           <a:p>
             <a:fld id="{7C780E36-1438-D74D-8D9C-3089FABA7E39}" type="datetimeFigureOut">
               <a:rPr lang="en-US" smtClean="0"/>
-              <a:t>6/2/17</a:t>
+              <a:t>6/7/17</a:t>
             </a:fld>
             <a:endParaRPr lang="en-US"/>
           </a:p>
@@ -3588,7 +2651,7 @@
           <a:p>
             <a:fld id="{7C780E36-1438-D74D-8D9C-3089FABA7E39}" type="datetimeFigureOut">
               <a:rPr lang="en-US" smtClean="0"/>
-              <a:t>6/2/17</a:t>
+              <a:t>6/7/17</a:t>
             </a:fld>
             <a:endParaRPr lang="en-US"/>
           </a:p>
@@ -3834,7 +2897,7 @@
           <a:p>
             <a:fld id="{7C780E36-1438-D74D-8D9C-3089FABA7E39}" type="datetimeFigureOut">
               <a:rPr lang="en-US" smtClean="0"/>
-              <a:t>6/2/17</a:t>
+              <a:t>6/7/17</a:t>
             </a:fld>
             <a:endParaRPr lang="en-US"/>
           </a:p>
@@ -4122,7 +3185,7 @@
           <a:p>
             <a:fld id="{7C780E36-1438-D74D-8D9C-3089FABA7E39}" type="datetimeFigureOut">
               <a:rPr lang="en-US" smtClean="0"/>
-              <a:t>6/2/17</a:t>
+              <a:t>6/7/17</a:t>
             </a:fld>
             <a:endParaRPr lang="en-US"/>
           </a:p>
@@ -4544,7 +3607,7 @@
           <a:p>
             <a:fld id="{7C780E36-1438-D74D-8D9C-3089FABA7E39}" type="datetimeFigureOut">
               <a:rPr lang="en-US" smtClean="0"/>
-              <a:t>6/2/17</a:t>
+              <a:t>6/7/17</a:t>
             </a:fld>
             <a:endParaRPr lang="en-US"/>
           </a:p>
@@ -4662,7 +3725,7 @@
           <a:p>
             <a:fld id="{7C780E36-1438-D74D-8D9C-3089FABA7E39}" type="datetimeFigureOut">
               <a:rPr lang="en-US" smtClean="0"/>
-              <a:t>6/2/17</a:t>
+              <a:t>6/7/17</a:t>
             </a:fld>
             <a:endParaRPr lang="en-US"/>
           </a:p>
@@ -4757,7 +3820,7 @@
           <a:p>
             <a:fld id="{7C780E36-1438-D74D-8D9C-3089FABA7E39}" type="datetimeFigureOut">
               <a:rPr lang="en-US" smtClean="0"/>
-              <a:t>6/2/17</a:t>
+              <a:t>6/7/17</a:t>
             </a:fld>
             <a:endParaRPr lang="en-US"/>
           </a:p>
@@ -5034,7 +4097,7 @@
           <a:p>
             <a:fld id="{7C780E36-1438-D74D-8D9C-3089FABA7E39}" type="datetimeFigureOut">
               <a:rPr lang="en-US" smtClean="0"/>
-              <a:t>6/2/17</a:t>
+              <a:t>6/7/17</a:t>
             </a:fld>
             <a:endParaRPr lang="en-US"/>
           </a:p>
@@ -5287,7 +4350,7 @@
           <a:p>
             <a:fld id="{7C780E36-1438-D74D-8D9C-3089FABA7E39}" type="datetimeFigureOut">
               <a:rPr lang="en-US" smtClean="0"/>
-              <a:t>6/2/17</a:t>
+              <a:t>6/7/17</a:t>
             </a:fld>
             <a:endParaRPr lang="en-US"/>
           </a:p>
@@ -5500,7 +4563,7 @@
           <a:p>
             <a:fld id="{7C780E36-1438-D74D-8D9C-3089FABA7E39}" type="datetimeFigureOut">
               <a:rPr lang="en-US" smtClean="0"/>
-              <a:t>6/2/17</a:t>
+              <a:t>6/7/17</a:t>
             </a:fld>
             <a:endParaRPr lang="en-US"/>
           </a:p>
@@ -5976,13 +5039,13 @@
   <p:clrMapOvr>
     <a:masterClrMapping/>
   </p:clrMapOvr>
-  <p:transition spd="slow">
+  <p:transition xmlns:p14="http://schemas.microsoft.com/office/powerpoint/2010/main" spd="slow">
     <p:cut/>
   </p:transition>
   <p:timing>
     <p:tnLst>
       <p:par>
-        <p:cTn id="1" dur="indefinite" restart="never" nodeType="tmRoot"/>
+        <p:cTn xmlns:p14="http://schemas.microsoft.com/office/powerpoint/2010/main" id="1" dur="indefinite" restart="never" nodeType="tmRoot"/>
       </p:par>
     </p:tnLst>
   </p:timing>
@@ -6045,735 +5108,9 @@
                 <a:latin typeface="Yanone Kaffeesatz Bold"/>
                 <a:cs typeface="Yanone Kaffeesatz Bold"/>
               </a:rPr>
-              <a:t>Methods</a:t>
+              <a:t>Show and Tell</a:t>
             </a:r>
             <a:endParaRPr lang="en" sz="7200" dirty="0">
-              <a:solidFill>
-                <a:srgbClr val="FF0000"/>
-              </a:solidFill>
-              <a:latin typeface="Yanone Kaffeesatz Bold"/>
-              <a:cs typeface="Yanone Kaffeesatz Bold"/>
-            </a:endParaRPr>
-          </a:p>
-        </p:txBody>
-      </p:sp>
-      <p:sp>
-        <p:nvSpPr>
-          <p:cNvPr id="30" name="Shape 30"/>
-          <p:cNvSpPr txBox="1">
-            <a:spLocks noGrp="1"/>
-          </p:cNvSpPr>
-          <p:nvPr>
-            <p:ph type="body" idx="1"/>
-          </p:nvPr>
-        </p:nvSpPr>
-        <p:spPr>
-          <a:xfrm>
-            <a:off x="457200" y="1600200"/>
-            <a:ext cx="8229600" cy="4967700"/>
-          </a:xfrm>
-          <a:prstGeom prst="rect">
-            <a:avLst/>
-          </a:prstGeom>
-        </p:spPr>
-        <p:txBody>
-          <a:bodyPr lIns="91425" tIns="91425" rIns="91425" bIns="91425" anchor="t" anchorCtr="0">
-            <a:noAutofit/>
-          </a:bodyPr>
-          <a:lstStyle/>
-          <a:p>
-            <a:pPr marL="38100" lvl="0" indent="0">
-              <a:lnSpc>
-                <a:spcPct val="130000"/>
-              </a:lnSpc>
-              <a:buClr>
-                <a:schemeClr val="dk1"/>
-              </a:buClr>
-              <a:buSzPct val="100000"/>
-              <a:buNone/>
-            </a:pPr>
-            <a:r>
-              <a:rPr lang="en-US" sz="2400" dirty="0" err="1" smtClean="0"/>
-              <a:t>def</a:t>
-            </a:r>
-            <a:r>
-              <a:rPr lang="en-US" sz="2400" dirty="0" smtClean="0"/>
-              <a:t> </a:t>
-            </a:r>
-            <a:r>
-              <a:rPr lang="en-US" sz="2400" dirty="0" err="1" smtClean="0"/>
-              <a:t>method_name</a:t>
-            </a:r>
-            <a:r>
-              <a:rPr lang="en-US" sz="2400" dirty="0" smtClean="0"/>
-              <a:t>(</a:t>
-            </a:r>
-            <a:r>
-              <a:rPr lang="en-US" sz="2400" dirty="0" err="1" smtClean="0"/>
-              <a:t>a_local_variable</a:t>
-            </a:r>
-            <a:r>
-              <a:rPr lang="en-US" sz="2400" dirty="0" smtClean="0"/>
-              <a:t>):</a:t>
-            </a:r>
-          </a:p>
-          <a:p>
-            <a:pPr marL="38100" lvl="0" indent="0">
-              <a:lnSpc>
-                <a:spcPct val="130000"/>
-              </a:lnSpc>
-              <a:buClr>
-                <a:schemeClr val="dk1"/>
-              </a:buClr>
-              <a:buSzPct val="100000"/>
-              <a:buNone/>
-            </a:pPr>
-            <a:r>
-              <a:rPr lang="en-US" sz="2400" dirty="0" smtClean="0"/>
-              <a:t>		</a:t>
-            </a:r>
-            <a:r>
-              <a:rPr lang="en-US" sz="2400" dirty="0" err="1" smtClean="0"/>
-              <a:t>a_local_variable</a:t>
-            </a:r>
-            <a:r>
-              <a:rPr lang="en-US" sz="2400" dirty="0" smtClean="0"/>
-              <a:t> exists here!</a:t>
-            </a:r>
-          </a:p>
-          <a:p>
-            <a:pPr marL="38100" lvl="0" indent="0">
-              <a:lnSpc>
-                <a:spcPct val="130000"/>
-              </a:lnSpc>
-              <a:buClr>
-                <a:schemeClr val="dk1"/>
-              </a:buClr>
-              <a:buSzPct val="100000"/>
-              <a:buNone/>
-            </a:pPr>
-            <a:endParaRPr lang="en-US" sz="2400" dirty="0"/>
-          </a:p>
-          <a:p>
-            <a:pPr marL="38100" lvl="0" indent="0">
-              <a:lnSpc>
-                <a:spcPct val="130000"/>
-              </a:lnSpc>
-              <a:buClr>
-                <a:schemeClr val="dk1"/>
-              </a:buClr>
-              <a:buSzPct val="100000"/>
-              <a:buNone/>
-            </a:pPr>
-            <a:r>
-              <a:rPr lang="en-US" sz="2400" dirty="0" err="1"/>
-              <a:t>m</a:t>
-            </a:r>
-            <a:r>
-              <a:rPr lang="en-US" sz="2400" dirty="0" err="1" smtClean="0"/>
-              <a:t>ethod_name</a:t>
-            </a:r>
-            <a:r>
-              <a:rPr lang="en-US" sz="2400" dirty="0" smtClean="0"/>
-              <a:t>(</a:t>
-            </a:r>
-            <a:r>
-              <a:rPr lang="en-US" sz="2400" dirty="0" err="1" smtClean="0"/>
-              <a:t>example_variable</a:t>
-            </a:r>
-            <a:r>
-              <a:rPr lang="en-US" sz="2400" dirty="0" smtClean="0"/>
-              <a:t>)</a:t>
-            </a:r>
-          </a:p>
-          <a:p>
-            <a:pPr marL="38100" lvl="0" indent="0">
-              <a:lnSpc>
-                <a:spcPct val="130000"/>
-              </a:lnSpc>
-              <a:buClr>
-                <a:schemeClr val="dk1"/>
-              </a:buClr>
-              <a:buSzPct val="100000"/>
-              <a:buNone/>
-            </a:pPr>
-            <a:endParaRPr lang="en-US" sz="2400" dirty="0" smtClean="0"/>
-          </a:p>
-          <a:p>
-            <a:pPr marL="38100" lvl="0" indent="0">
-              <a:lnSpc>
-                <a:spcPct val="130000"/>
-              </a:lnSpc>
-              <a:buClr>
-                <a:schemeClr val="dk1"/>
-              </a:buClr>
-              <a:buSzPct val="100000"/>
-              <a:buNone/>
-            </a:pPr>
-            <a:r>
-              <a:rPr lang="en-US" sz="2400" dirty="0" smtClean="0"/>
-              <a:t>Here, </a:t>
-            </a:r>
-            <a:r>
-              <a:rPr lang="en-US" sz="2400" dirty="0" err="1" smtClean="0"/>
-              <a:t>example_method</a:t>
-            </a:r>
-            <a:r>
-              <a:rPr lang="en-US" sz="2400" dirty="0" smtClean="0"/>
-              <a:t> gets passed to the function </a:t>
-            </a:r>
-            <a:r>
-              <a:rPr lang="en-US" sz="2400" dirty="0" err="1" smtClean="0"/>
-              <a:t>method_name</a:t>
-            </a:r>
-            <a:r>
-              <a:rPr lang="en-US" sz="2400" dirty="0" smtClean="0"/>
-              <a:t>. for the scope of that function, </a:t>
-            </a:r>
-            <a:r>
-              <a:rPr lang="en-US" sz="2400" dirty="0" err="1" smtClean="0"/>
-              <a:t>a_local_variable</a:t>
-            </a:r>
-            <a:r>
-              <a:rPr lang="en-US" sz="2400" dirty="0" smtClean="0"/>
-              <a:t> is set equal to </a:t>
-            </a:r>
-            <a:r>
-              <a:rPr lang="en-US" sz="2400" dirty="0" err="1" smtClean="0"/>
-              <a:t>example_method</a:t>
-            </a:r>
-            <a:endParaRPr lang="en-US" sz="2400" dirty="0"/>
-          </a:p>
-        </p:txBody>
-      </p:sp>
-    </p:spTree>
-    <p:extLst>
-      <p:ext uri="{BB962C8B-B14F-4D97-AF65-F5344CB8AC3E}">
-        <p14:creationId xmlns:p14="http://schemas.microsoft.com/office/powerpoint/2010/main" val="3411398437"/>
-      </p:ext>
-    </p:extLst>
-  </p:cSld>
-  <p:clrMapOvr>
-    <a:masterClrMapping/>
-  </p:clrMapOvr>
-  <p:transition spd="slow">
-    <p:cut/>
-  </p:transition>
-  <p:timing>
-    <p:tnLst>
-      <p:par>
-        <p:cTn id="1" dur="indefinite" restart="never" nodeType="tmRoot"/>
-      </p:par>
-    </p:tnLst>
-  </p:timing>
-</p:sld>
-</file>
-
-<file path=ppt/slides/slide11.xml><?xml version="1.0" encoding="utf-8"?>
-<p:sld xmlns:a="http://schemas.openxmlformats.org/drawingml/2006/main" xmlns:r="http://schemas.openxmlformats.org/officeDocument/2006/relationships" xmlns:p="http://schemas.openxmlformats.org/presentationml/2006/main">
-  <p:cSld>
-    <p:spTree>
-      <p:nvGrpSpPr>
-        <p:cNvPr id="1" name="Shape 28"/>
-        <p:cNvGrpSpPr/>
-        <p:nvPr/>
-      </p:nvGrpSpPr>
-      <p:grpSpPr>
-        <a:xfrm>
-          <a:off x="0" y="0"/>
-          <a:ext cx="0" cy="0"/>
-          <a:chOff x="0" y="0"/>
-          <a:chExt cx="0" cy="0"/>
-        </a:xfrm>
-      </p:grpSpPr>
-      <p:sp>
-        <p:nvSpPr>
-          <p:cNvPr id="29" name="Shape 29"/>
-          <p:cNvSpPr txBox="1">
-            <a:spLocks noGrp="1"/>
-          </p:cNvSpPr>
-          <p:nvPr>
-            <p:ph type="title"/>
-          </p:nvPr>
-        </p:nvSpPr>
-        <p:spPr>
-          <a:xfrm>
-            <a:off x="457200" y="274637"/>
-            <a:ext cx="8229600" cy="1143000"/>
-          </a:xfrm>
-          <a:prstGeom prst="rect">
-            <a:avLst/>
-          </a:prstGeom>
-        </p:spPr>
-        <p:txBody>
-          <a:bodyPr lIns="91425" tIns="91425" rIns="91425" bIns="91425" anchor="b" anchorCtr="0">
-            <a:noAutofit/>
-          </a:bodyPr>
-          <a:lstStyle/>
-          <a:p>
-            <a:pPr>
-              <a:spcBef>
-                <a:spcPts val="0"/>
-              </a:spcBef>
-              <a:buNone/>
-            </a:pPr>
-            <a:r>
-              <a:rPr lang="en-US" sz="7200" dirty="0" smtClean="0">
-                <a:solidFill>
-                  <a:srgbClr val="FF0000"/>
-                </a:solidFill>
-                <a:latin typeface="Yanone Kaffeesatz Bold"/>
-                <a:cs typeface="Yanone Kaffeesatz Bold"/>
-              </a:rPr>
-              <a:t>Methods</a:t>
-            </a:r>
-            <a:endParaRPr lang="en" sz="7200" dirty="0">
-              <a:solidFill>
-                <a:srgbClr val="FF0000"/>
-              </a:solidFill>
-              <a:latin typeface="Yanone Kaffeesatz Bold"/>
-              <a:cs typeface="Yanone Kaffeesatz Bold"/>
-            </a:endParaRPr>
-          </a:p>
-        </p:txBody>
-      </p:sp>
-      <p:sp>
-        <p:nvSpPr>
-          <p:cNvPr id="30" name="Shape 30"/>
-          <p:cNvSpPr txBox="1">
-            <a:spLocks noGrp="1"/>
-          </p:cNvSpPr>
-          <p:nvPr>
-            <p:ph type="body" idx="1"/>
-          </p:nvPr>
-        </p:nvSpPr>
-        <p:spPr>
-          <a:xfrm>
-            <a:off x="457200" y="1600200"/>
-            <a:ext cx="8229600" cy="4967700"/>
-          </a:xfrm>
-          <a:prstGeom prst="rect">
-            <a:avLst/>
-          </a:prstGeom>
-        </p:spPr>
-        <p:txBody>
-          <a:bodyPr lIns="91425" tIns="91425" rIns="91425" bIns="91425" anchor="t" anchorCtr="0">
-            <a:noAutofit/>
-          </a:bodyPr>
-          <a:lstStyle/>
-          <a:p>
-            <a:pPr marL="38100" lvl="0" indent="0">
-              <a:lnSpc>
-                <a:spcPct val="130000"/>
-              </a:lnSpc>
-              <a:buClr>
-                <a:schemeClr val="dk1"/>
-              </a:buClr>
-              <a:buSzPct val="100000"/>
-              <a:buNone/>
-            </a:pPr>
-            <a:r>
-              <a:rPr lang="en-US" sz="2400" dirty="0" err="1" smtClean="0"/>
-              <a:t>def</a:t>
-            </a:r>
-            <a:r>
-              <a:rPr lang="en-US" sz="2400" dirty="0" smtClean="0"/>
-              <a:t> </a:t>
-            </a:r>
-            <a:r>
-              <a:rPr lang="en-US" sz="2400" dirty="0" err="1" smtClean="0"/>
-              <a:t>method_name</a:t>
-            </a:r>
-            <a:r>
-              <a:rPr lang="en-US" sz="2400" dirty="0" smtClean="0"/>
-              <a:t>(</a:t>
-            </a:r>
-            <a:r>
-              <a:rPr lang="en-US" sz="2400" dirty="0" err="1" smtClean="0"/>
-              <a:t>a_local_variable</a:t>
-            </a:r>
-            <a:r>
-              <a:rPr lang="en-US" sz="2400" dirty="0" smtClean="0"/>
-              <a:t>):</a:t>
-            </a:r>
-          </a:p>
-          <a:p>
-            <a:pPr marL="38100" lvl="0" indent="0">
-              <a:lnSpc>
-                <a:spcPct val="130000"/>
-              </a:lnSpc>
-              <a:buClr>
-                <a:schemeClr val="dk1"/>
-              </a:buClr>
-              <a:buSzPct val="100000"/>
-              <a:buNone/>
-            </a:pPr>
-            <a:r>
-              <a:rPr lang="en-US" sz="2400" dirty="0" smtClean="0"/>
-              <a:t>		print(“a </a:t>
-            </a:r>
-            <a:r>
-              <a:rPr lang="en-US" sz="2400" smtClean="0"/>
-              <a:t>thing”)</a:t>
-            </a:r>
-            <a:endParaRPr lang="en-US" sz="2400" dirty="0" smtClean="0"/>
-          </a:p>
-          <a:p>
-            <a:pPr marL="38100" lvl="0" indent="0">
-              <a:lnSpc>
-                <a:spcPct val="130000"/>
-              </a:lnSpc>
-              <a:buClr>
-                <a:schemeClr val="dk1"/>
-              </a:buClr>
-              <a:buSzPct val="100000"/>
-              <a:buNone/>
-            </a:pPr>
-            <a:endParaRPr lang="en-US" sz="2400" dirty="0"/>
-          </a:p>
-          <a:p>
-            <a:pPr marL="38100" lvl="0" indent="0">
-              <a:lnSpc>
-                <a:spcPct val="130000"/>
-              </a:lnSpc>
-              <a:buClr>
-                <a:schemeClr val="dk1"/>
-              </a:buClr>
-              <a:buSzPct val="100000"/>
-              <a:buNone/>
-            </a:pPr>
-            <a:r>
-              <a:rPr lang="en-US" sz="2400" dirty="0" err="1"/>
-              <a:t>m</a:t>
-            </a:r>
-            <a:r>
-              <a:rPr lang="en-US" sz="2400" dirty="0" err="1" smtClean="0"/>
-              <a:t>ethod_name</a:t>
-            </a:r>
-            <a:r>
-              <a:rPr lang="en-US" sz="2400" dirty="0" smtClean="0"/>
-              <a:t>(</a:t>
-            </a:r>
-            <a:r>
-              <a:rPr lang="en-US" sz="2400" dirty="0" err="1" smtClean="0"/>
-              <a:t>example_method</a:t>
-            </a:r>
-            <a:r>
-              <a:rPr lang="en-US" sz="2400" dirty="0" smtClean="0"/>
-              <a:t>)</a:t>
-            </a:r>
-          </a:p>
-          <a:p>
-            <a:pPr marL="38100" lvl="0" indent="0">
-              <a:lnSpc>
-                <a:spcPct val="130000"/>
-              </a:lnSpc>
-              <a:buClr>
-                <a:schemeClr val="dk1"/>
-              </a:buClr>
-              <a:buSzPct val="100000"/>
-              <a:buNone/>
-            </a:pPr>
-            <a:endParaRPr lang="en-US" sz="2400" dirty="0" smtClean="0"/>
-          </a:p>
-        </p:txBody>
-      </p:sp>
-    </p:spTree>
-    <p:extLst>
-      <p:ext uri="{BB962C8B-B14F-4D97-AF65-F5344CB8AC3E}">
-        <p14:creationId xmlns:p14="http://schemas.microsoft.com/office/powerpoint/2010/main" val="2554184438"/>
-      </p:ext>
-    </p:extLst>
-  </p:cSld>
-  <p:clrMapOvr>
-    <a:masterClrMapping/>
-  </p:clrMapOvr>
-  <p:transition spd="slow">
-    <p:cut/>
-  </p:transition>
-  <p:timing>
-    <p:tnLst>
-      <p:par>
-        <p:cTn id="1" dur="indefinite" restart="never" nodeType="tmRoot"/>
-      </p:par>
-    </p:tnLst>
-  </p:timing>
-</p:sld>
-</file>
-
-<file path=ppt/slides/slide12.xml><?xml version="1.0" encoding="utf-8"?>
-<p:sld xmlns:a="http://schemas.openxmlformats.org/drawingml/2006/main" xmlns:r="http://schemas.openxmlformats.org/officeDocument/2006/relationships" xmlns:p="http://schemas.openxmlformats.org/presentationml/2006/main">
-  <p:cSld>
-    <p:spTree>
-      <p:nvGrpSpPr>
-        <p:cNvPr id="1" name="Shape 28"/>
-        <p:cNvGrpSpPr/>
-        <p:nvPr/>
-      </p:nvGrpSpPr>
-      <p:grpSpPr>
-        <a:xfrm>
-          <a:off x="0" y="0"/>
-          <a:ext cx="0" cy="0"/>
-          <a:chOff x="0" y="0"/>
-          <a:chExt cx="0" cy="0"/>
-        </a:xfrm>
-      </p:grpSpPr>
-      <p:sp>
-        <p:nvSpPr>
-          <p:cNvPr id="29" name="Shape 29"/>
-          <p:cNvSpPr txBox="1">
-            <a:spLocks noGrp="1"/>
-          </p:cNvSpPr>
-          <p:nvPr>
-            <p:ph type="title"/>
-          </p:nvPr>
-        </p:nvSpPr>
-        <p:spPr>
-          <a:xfrm>
-            <a:off x="457200" y="274637"/>
-            <a:ext cx="8229600" cy="1143000"/>
-          </a:xfrm>
-          <a:prstGeom prst="rect">
-            <a:avLst/>
-          </a:prstGeom>
-        </p:spPr>
-        <p:txBody>
-          <a:bodyPr lIns="91425" tIns="91425" rIns="91425" bIns="91425" anchor="b" anchorCtr="0">
-            <a:noAutofit/>
-          </a:bodyPr>
-          <a:lstStyle/>
-          <a:p>
-            <a:pPr>
-              <a:spcBef>
-                <a:spcPts val="0"/>
-              </a:spcBef>
-              <a:buNone/>
-            </a:pPr>
-            <a:r>
-              <a:rPr lang="en-US" sz="6600" dirty="0" smtClean="0">
-                <a:solidFill>
-                  <a:srgbClr val="FF0000"/>
-                </a:solidFill>
-                <a:latin typeface="Yanone Kaffeesatz Bold"/>
-                <a:cs typeface="Yanone Kaffeesatz Bold"/>
-              </a:rPr>
-              <a:t>Impostor Syndrome</a:t>
-            </a:r>
-            <a:endParaRPr lang="en" sz="6600" dirty="0">
-              <a:solidFill>
-                <a:srgbClr val="FF0000"/>
-              </a:solidFill>
-              <a:latin typeface="Yanone Kaffeesatz Bold"/>
-              <a:cs typeface="Yanone Kaffeesatz Bold"/>
-            </a:endParaRPr>
-          </a:p>
-        </p:txBody>
-      </p:sp>
-      <p:pic>
-        <p:nvPicPr>
-          <p:cNvPr id="2" name="Picture 1"/>
-          <p:cNvPicPr>
-            <a:picLocks noChangeAspect="1"/>
-          </p:cNvPicPr>
-          <p:nvPr/>
-        </p:nvPicPr>
-        <p:blipFill>
-          <a:blip r:embed="rId3"/>
-          <a:stretch>
-            <a:fillRect/>
-          </a:stretch>
-        </p:blipFill>
-        <p:spPr>
-          <a:xfrm>
-            <a:off x="1992395" y="1417637"/>
-            <a:ext cx="5159210" cy="5180797"/>
-          </a:xfrm>
-          <a:prstGeom prst="rect">
-            <a:avLst/>
-          </a:prstGeom>
-        </p:spPr>
-      </p:pic>
-    </p:spTree>
-    <p:extLst>
-      <p:ext uri="{BB962C8B-B14F-4D97-AF65-F5344CB8AC3E}">
-        <p14:creationId xmlns:p14="http://schemas.microsoft.com/office/powerpoint/2010/main" val="2560100853"/>
-      </p:ext>
-    </p:extLst>
-  </p:cSld>
-  <p:clrMapOvr>
-    <a:masterClrMapping/>
-  </p:clrMapOvr>
-  <p:transition spd="slow">
-    <p:cut/>
-  </p:transition>
-  <p:timing>
-    <p:tnLst>
-      <p:par>
-        <p:cTn id="1" dur="indefinite" restart="never" nodeType="tmRoot"/>
-      </p:par>
-    </p:tnLst>
-  </p:timing>
-</p:sld>
-</file>
-
-<file path=ppt/slides/slide13.xml><?xml version="1.0" encoding="utf-8"?>
-<p:sld xmlns:a="http://schemas.openxmlformats.org/drawingml/2006/main" xmlns:r="http://schemas.openxmlformats.org/officeDocument/2006/relationships" xmlns:p="http://schemas.openxmlformats.org/presentationml/2006/main">
-  <p:cSld>
-    <p:spTree>
-      <p:nvGrpSpPr>
-        <p:cNvPr id="1" name=""/>
-        <p:cNvGrpSpPr/>
-        <p:nvPr/>
-      </p:nvGrpSpPr>
-      <p:grpSpPr>
-        <a:xfrm>
-          <a:off x="0" y="0"/>
-          <a:ext cx="0" cy="0"/>
-          <a:chOff x="0" y="0"/>
-          <a:chExt cx="0" cy="0"/>
-        </a:xfrm>
-      </p:grpSpPr>
-      <p:sp>
-        <p:nvSpPr>
-          <p:cNvPr id="2" name="Title 1"/>
-          <p:cNvSpPr>
-            <a:spLocks noGrp="1"/>
-          </p:cNvSpPr>
-          <p:nvPr>
-            <p:ph type="title"/>
-          </p:nvPr>
-        </p:nvSpPr>
-        <p:spPr/>
-        <p:txBody>
-          <a:bodyPr/>
-          <a:lstStyle/>
-          <a:p>
-            <a:endParaRPr lang="en-US"/>
-          </a:p>
-        </p:txBody>
-      </p:sp>
-      <p:sp>
-        <p:nvSpPr>
-          <p:cNvPr id="3" name="Text Placeholder 2"/>
-          <p:cNvSpPr>
-            <a:spLocks noGrp="1"/>
-          </p:cNvSpPr>
-          <p:nvPr>
-            <p:ph type="body" idx="1"/>
-          </p:nvPr>
-        </p:nvSpPr>
-        <p:spPr/>
-        <p:txBody>
-          <a:bodyPr/>
-          <a:lstStyle/>
-          <a:p>
-            <a:endParaRPr lang="en-US"/>
-          </a:p>
-        </p:txBody>
-      </p:sp>
-      <p:pic>
-        <p:nvPicPr>
-          <p:cNvPr id="4" name="Picture 3"/>
-          <p:cNvPicPr>
-            <a:picLocks noChangeAspect="1"/>
-          </p:cNvPicPr>
-          <p:nvPr/>
-        </p:nvPicPr>
-        <p:blipFill>
-          <a:blip r:embed="rId2"/>
-          <a:stretch>
-            <a:fillRect/>
-          </a:stretch>
-        </p:blipFill>
-        <p:spPr>
-          <a:xfrm>
-            <a:off x="0" y="660400"/>
-            <a:ext cx="9144000" cy="5513659"/>
-          </a:xfrm>
-          <a:prstGeom prst="rect">
-            <a:avLst/>
-          </a:prstGeom>
-        </p:spPr>
-      </p:pic>
-    </p:spTree>
-    <p:extLst>
-      <p:ext uri="{BB962C8B-B14F-4D97-AF65-F5344CB8AC3E}">
-        <p14:creationId xmlns:p14="http://schemas.microsoft.com/office/powerpoint/2010/main" val="129864868"/>
-      </p:ext>
-    </p:extLst>
-  </p:cSld>
-  <p:clrMapOvr>
-    <a:masterClrMapping/>
-  </p:clrMapOvr>
-  <p:timing>
-    <p:tnLst>
-      <p:par>
-        <p:cTn id="1" dur="indefinite" restart="never" nodeType="tmRoot"/>
-      </p:par>
-    </p:tnLst>
-  </p:timing>
-</p:sld>
-</file>
-
-<file path=ppt/slides/slide14.xml><?xml version="1.0" encoding="utf-8"?>
-<p:sld xmlns:a="http://schemas.openxmlformats.org/drawingml/2006/main" xmlns:r="http://schemas.openxmlformats.org/officeDocument/2006/relationships" xmlns:p="http://schemas.openxmlformats.org/presentationml/2006/main">
-  <p:cSld>
-    <p:spTree>
-      <p:nvGrpSpPr>
-        <p:cNvPr id="1" name="Shape 28"/>
-        <p:cNvGrpSpPr/>
-        <p:nvPr/>
-      </p:nvGrpSpPr>
-      <p:grpSpPr>
-        <a:xfrm>
-          <a:off x="0" y="0"/>
-          <a:ext cx="0" cy="0"/>
-          <a:chOff x="0" y="0"/>
-          <a:chExt cx="0" cy="0"/>
-        </a:xfrm>
-      </p:grpSpPr>
-      <p:sp>
-        <p:nvSpPr>
-          <p:cNvPr id="29" name="Shape 29"/>
-          <p:cNvSpPr txBox="1">
-            <a:spLocks noGrp="1"/>
-          </p:cNvSpPr>
-          <p:nvPr>
-            <p:ph type="title"/>
-          </p:nvPr>
-        </p:nvSpPr>
-        <p:spPr>
-          <a:xfrm>
-            <a:off x="457200" y="274637"/>
-            <a:ext cx="8229600" cy="1143000"/>
-          </a:xfrm>
-          <a:prstGeom prst="rect">
-            <a:avLst/>
-          </a:prstGeom>
-        </p:spPr>
-        <p:txBody>
-          <a:bodyPr lIns="91425" tIns="91425" rIns="91425" bIns="91425" anchor="b" anchorCtr="0">
-            <a:noAutofit/>
-          </a:bodyPr>
-          <a:lstStyle/>
-          <a:p>
-            <a:pPr>
-              <a:spcBef>
-                <a:spcPts val="0"/>
-              </a:spcBef>
-              <a:buNone/>
-            </a:pPr>
-            <a:r>
-              <a:rPr lang="en-US" sz="5400" dirty="0" smtClean="0">
-                <a:solidFill>
-                  <a:srgbClr val="FF0000"/>
-                </a:solidFill>
-                <a:latin typeface="Yanone Kaffeesatz Bold"/>
-                <a:cs typeface="Yanone Kaffeesatz Bold"/>
-              </a:rPr>
-              <a:t>Dunning-Kruger Effect</a:t>
-            </a:r>
-            <a:endParaRPr lang="en" sz="5400" dirty="0">
               <a:solidFill>
                 <a:srgbClr val="FF0000"/>
               </a:solidFill>
@@ -6821,754 +5158,6 @@
             </a:pPr>
             <a:r>
               <a:rPr lang="en-US" dirty="0" smtClean="0"/>
-              <a:t>Cognitive bias of unskilled individuals suffering from illusory superiority</a:t>
-            </a:r>
-          </a:p>
-          <a:p>
-            <a:pPr marL="457200" lvl="0" indent="-419100">
-              <a:lnSpc>
-                <a:spcPct val="130000"/>
-              </a:lnSpc>
-              <a:buClr>
-                <a:schemeClr val="dk1"/>
-              </a:buClr>
-              <a:buSzPct val="100000"/>
-              <a:buFont typeface="Arial"/>
-              <a:buChar char="●"/>
-            </a:pPr>
-            <a:r>
-              <a:rPr lang="en-US" dirty="0" smtClean="0"/>
-              <a:t>Rate their ability much higher than accurate</a:t>
-            </a:r>
-            <a:endParaRPr lang="en-US" dirty="0"/>
-          </a:p>
-        </p:txBody>
-      </p:sp>
-    </p:spTree>
-    <p:extLst>
-      <p:ext uri="{BB962C8B-B14F-4D97-AF65-F5344CB8AC3E}">
-        <p14:creationId xmlns:p14="http://schemas.microsoft.com/office/powerpoint/2010/main" val="3429606446"/>
-      </p:ext>
-    </p:extLst>
-  </p:cSld>
-  <p:clrMapOvr>
-    <a:masterClrMapping/>
-  </p:clrMapOvr>
-  <p:transition spd="slow">
-    <p:cut/>
-  </p:transition>
-  <p:timing>
-    <p:tnLst>
-      <p:par>
-        <p:cTn id="1" dur="indefinite" restart="never" nodeType="tmRoot"/>
-      </p:par>
-    </p:tnLst>
-  </p:timing>
-</p:sld>
-</file>
-
-<file path=ppt/slides/slide15.xml><?xml version="1.0" encoding="utf-8"?>
-<p:sld xmlns:a="http://schemas.openxmlformats.org/drawingml/2006/main" xmlns:r="http://schemas.openxmlformats.org/officeDocument/2006/relationships" xmlns:p="http://schemas.openxmlformats.org/presentationml/2006/main">
-  <p:cSld>
-    <p:spTree>
-      <p:nvGrpSpPr>
-        <p:cNvPr id="1" name="Shape 28"/>
-        <p:cNvGrpSpPr/>
-        <p:nvPr/>
-      </p:nvGrpSpPr>
-      <p:grpSpPr>
-        <a:xfrm>
-          <a:off x="0" y="0"/>
-          <a:ext cx="0" cy="0"/>
-          <a:chOff x="0" y="0"/>
-          <a:chExt cx="0" cy="0"/>
-        </a:xfrm>
-      </p:grpSpPr>
-      <p:sp>
-        <p:nvSpPr>
-          <p:cNvPr id="29" name="Shape 29"/>
-          <p:cNvSpPr txBox="1">
-            <a:spLocks noGrp="1"/>
-          </p:cNvSpPr>
-          <p:nvPr>
-            <p:ph type="title"/>
-          </p:nvPr>
-        </p:nvSpPr>
-        <p:spPr>
-          <a:xfrm>
-            <a:off x="457200" y="274637"/>
-            <a:ext cx="8229600" cy="1143000"/>
-          </a:xfrm>
-          <a:prstGeom prst="rect">
-            <a:avLst/>
-          </a:prstGeom>
-        </p:spPr>
-        <p:txBody>
-          <a:bodyPr lIns="91425" tIns="91425" rIns="91425" bIns="91425" anchor="b" anchorCtr="0">
-            <a:noAutofit/>
-          </a:bodyPr>
-          <a:lstStyle/>
-          <a:p>
-            <a:pPr>
-              <a:spcBef>
-                <a:spcPts val="0"/>
-              </a:spcBef>
-              <a:buNone/>
-            </a:pPr>
-            <a:r>
-              <a:rPr lang="en-US" sz="6600" dirty="0" smtClean="0">
-                <a:solidFill>
-                  <a:srgbClr val="FF0000"/>
-                </a:solidFill>
-                <a:latin typeface="Yanone Kaffeesatz Bold"/>
-                <a:cs typeface="Yanone Kaffeesatz Bold"/>
-              </a:rPr>
-              <a:t>Impostor Syndrome</a:t>
-            </a:r>
-            <a:endParaRPr lang="en" sz="6600" dirty="0">
-              <a:solidFill>
-                <a:srgbClr val="FF0000"/>
-              </a:solidFill>
-              <a:latin typeface="Yanone Kaffeesatz Bold"/>
-              <a:cs typeface="Yanone Kaffeesatz Bold"/>
-            </a:endParaRPr>
-          </a:p>
-        </p:txBody>
-      </p:sp>
-      <p:sp>
-        <p:nvSpPr>
-          <p:cNvPr id="30" name="Shape 30"/>
-          <p:cNvSpPr txBox="1">
-            <a:spLocks noGrp="1"/>
-          </p:cNvSpPr>
-          <p:nvPr>
-            <p:ph type="body" idx="1"/>
-          </p:nvPr>
-        </p:nvSpPr>
-        <p:spPr>
-          <a:xfrm>
-            <a:off x="457200" y="1600200"/>
-            <a:ext cx="8229600" cy="4967700"/>
-          </a:xfrm>
-          <a:prstGeom prst="rect">
-            <a:avLst/>
-          </a:prstGeom>
-        </p:spPr>
-        <p:txBody>
-          <a:bodyPr lIns="91425" tIns="91425" rIns="91425" bIns="91425" anchor="t" anchorCtr="0">
-            <a:noAutofit/>
-          </a:bodyPr>
-          <a:lstStyle/>
-          <a:p>
-            <a:pPr marL="457200" lvl="0" indent="-419100">
-              <a:lnSpc>
-                <a:spcPct val="130000"/>
-              </a:lnSpc>
-              <a:buClr>
-                <a:schemeClr val="dk1"/>
-              </a:buClr>
-              <a:buSzPct val="100000"/>
-              <a:buFont typeface="Arial"/>
-              <a:buChar char="●"/>
-            </a:pPr>
-            <a:r>
-              <a:rPr lang="en-US" dirty="0" smtClean="0"/>
-              <a:t>Your accomplishments are undeserved, invalid, you in some way not earned</a:t>
-            </a:r>
-          </a:p>
-          <a:p>
-            <a:pPr marL="457200" lvl="0" indent="-419100">
-              <a:lnSpc>
-                <a:spcPct val="130000"/>
-              </a:lnSpc>
-              <a:buClr>
-                <a:schemeClr val="dk1"/>
-              </a:buClr>
-              <a:buSzPct val="100000"/>
-              <a:buFont typeface="Arial"/>
-              <a:buChar char="●"/>
-            </a:pPr>
-            <a:r>
-              <a:rPr lang="en-US" dirty="0" smtClean="0"/>
-              <a:t>(not a </a:t>
-            </a:r>
-            <a:r>
-              <a:rPr lang="en-US" smtClean="0"/>
-              <a:t>descriptive slide)</a:t>
-            </a:r>
-            <a:endParaRPr lang="en-US" dirty="0" smtClean="0"/>
-          </a:p>
-          <a:p>
-            <a:pPr marL="457200" lvl="0" indent="-419100">
-              <a:lnSpc>
-                <a:spcPct val="130000"/>
-              </a:lnSpc>
-              <a:buClr>
-                <a:schemeClr val="dk1"/>
-              </a:buClr>
-              <a:buSzPct val="100000"/>
-              <a:buFont typeface="Arial"/>
-              <a:buChar char="●"/>
-            </a:pPr>
-            <a:endParaRPr lang="en-US" dirty="0"/>
-          </a:p>
-        </p:txBody>
-      </p:sp>
-    </p:spTree>
-    <p:extLst>
-      <p:ext uri="{BB962C8B-B14F-4D97-AF65-F5344CB8AC3E}">
-        <p14:creationId xmlns:p14="http://schemas.microsoft.com/office/powerpoint/2010/main" val="2196556476"/>
-      </p:ext>
-    </p:extLst>
-  </p:cSld>
-  <p:clrMapOvr>
-    <a:masterClrMapping/>
-  </p:clrMapOvr>
-  <p:transition spd="slow">
-    <p:cut/>
-  </p:transition>
-  <p:timing>
-    <p:tnLst>
-      <p:par>
-        <p:cTn id="1" dur="indefinite" restart="never" nodeType="tmRoot"/>
-      </p:par>
-    </p:tnLst>
-  </p:timing>
-</p:sld>
-</file>
-
-<file path=ppt/slides/slide16.xml><?xml version="1.0" encoding="utf-8"?>
-<p:sld xmlns:a="http://schemas.openxmlformats.org/drawingml/2006/main" xmlns:r="http://schemas.openxmlformats.org/officeDocument/2006/relationships" xmlns:p="http://schemas.openxmlformats.org/presentationml/2006/main">
-  <p:cSld>
-    <p:spTree>
-      <p:nvGrpSpPr>
-        <p:cNvPr id="1" name="Shape 28"/>
-        <p:cNvGrpSpPr/>
-        <p:nvPr/>
-      </p:nvGrpSpPr>
-      <p:grpSpPr>
-        <a:xfrm>
-          <a:off x="0" y="0"/>
-          <a:ext cx="0" cy="0"/>
-          <a:chOff x="0" y="0"/>
-          <a:chExt cx="0" cy="0"/>
-        </a:xfrm>
-      </p:grpSpPr>
-      <p:sp>
-        <p:nvSpPr>
-          <p:cNvPr id="29" name="Shape 29"/>
-          <p:cNvSpPr txBox="1">
-            <a:spLocks noGrp="1"/>
-          </p:cNvSpPr>
-          <p:nvPr>
-            <p:ph type="title"/>
-          </p:nvPr>
-        </p:nvSpPr>
-        <p:spPr>
-          <a:xfrm>
-            <a:off x="457200" y="274637"/>
-            <a:ext cx="8229600" cy="1143000"/>
-          </a:xfrm>
-          <a:prstGeom prst="rect">
-            <a:avLst/>
-          </a:prstGeom>
-        </p:spPr>
-        <p:txBody>
-          <a:bodyPr lIns="91425" tIns="91425" rIns="91425" bIns="91425" anchor="b" anchorCtr="0">
-            <a:noAutofit/>
-          </a:bodyPr>
-          <a:lstStyle/>
-          <a:p>
-            <a:pPr>
-              <a:spcBef>
-                <a:spcPts val="0"/>
-              </a:spcBef>
-              <a:buNone/>
-            </a:pPr>
-            <a:r>
-              <a:rPr lang="en-US" sz="7200" dirty="0" smtClean="0">
-                <a:solidFill>
-                  <a:srgbClr val="FF0000"/>
-                </a:solidFill>
-                <a:latin typeface="Yanone Kaffeesatz Bold"/>
-                <a:cs typeface="Yanone Kaffeesatz Bold"/>
-              </a:rPr>
-              <a:t>Reading</a:t>
-            </a:r>
-            <a:endParaRPr lang="en" sz="7200" dirty="0">
-              <a:solidFill>
-                <a:srgbClr val="FF0000"/>
-              </a:solidFill>
-              <a:latin typeface="Yanone Kaffeesatz Bold"/>
-              <a:cs typeface="Yanone Kaffeesatz Bold"/>
-            </a:endParaRPr>
-          </a:p>
-        </p:txBody>
-      </p:sp>
-      <p:sp>
-        <p:nvSpPr>
-          <p:cNvPr id="30" name="Shape 30"/>
-          <p:cNvSpPr txBox="1">
-            <a:spLocks noGrp="1"/>
-          </p:cNvSpPr>
-          <p:nvPr>
-            <p:ph type="body" idx="1"/>
-          </p:nvPr>
-        </p:nvSpPr>
-        <p:spPr>
-          <a:xfrm>
-            <a:off x="457200" y="1600200"/>
-            <a:ext cx="8229600" cy="4967700"/>
-          </a:xfrm>
-          <a:prstGeom prst="rect">
-            <a:avLst/>
-          </a:prstGeom>
-        </p:spPr>
-        <p:txBody>
-          <a:bodyPr lIns="91425" tIns="91425" rIns="91425" bIns="91425" anchor="t" anchorCtr="0">
-            <a:noAutofit/>
-          </a:bodyPr>
-          <a:lstStyle/>
-          <a:p>
-            <a:pPr marL="38100" lvl="0" indent="0">
-              <a:lnSpc>
-                <a:spcPct val="130000"/>
-              </a:lnSpc>
-              <a:buClr>
-                <a:schemeClr val="dk1"/>
-              </a:buClr>
-              <a:buSzPct val="100000"/>
-              <a:buNone/>
-            </a:pPr>
-            <a:r>
-              <a:rPr lang="en-US" dirty="0" smtClean="0"/>
-              <a:t>Tanya X Short, “Overcoming Impostor’s </a:t>
-            </a:r>
-            <a:r>
-              <a:rPr lang="en-US" dirty="0"/>
-              <a:t>Syndrome” http://</a:t>
-            </a:r>
-            <a:r>
-              <a:rPr lang="en-US" dirty="0" err="1"/>
-              <a:t>www.gamasutra.com</a:t>
-            </a:r>
-            <a:r>
-              <a:rPr lang="en-US" dirty="0"/>
-              <a:t>/blogs/</a:t>
-            </a:r>
-            <a:r>
-              <a:rPr lang="en-US" dirty="0" err="1"/>
-              <a:t>TanyaXShort</a:t>
-            </a:r>
-            <a:r>
-              <a:rPr lang="en-US" dirty="0"/>
-              <a:t>/20140716/220938/</a:t>
-            </a:r>
-            <a:r>
-              <a:rPr lang="en-US" dirty="0" err="1"/>
-              <a:t>Overcoming_Impostors_Syndrome.php</a:t>
-            </a:r>
-            <a:endParaRPr lang="en-US" dirty="0" smtClean="0"/>
-          </a:p>
-          <a:p>
-            <a:pPr marL="457200" lvl="0" indent="-419100">
-              <a:lnSpc>
-                <a:spcPct val="130000"/>
-              </a:lnSpc>
-              <a:buClr>
-                <a:schemeClr val="dk1"/>
-              </a:buClr>
-              <a:buSzPct val="100000"/>
-              <a:buFont typeface="Arial"/>
-              <a:buChar char="●"/>
-            </a:pPr>
-            <a:endParaRPr lang="en-US" dirty="0"/>
-          </a:p>
-        </p:txBody>
-      </p:sp>
-    </p:spTree>
-    <p:extLst>
-      <p:ext uri="{BB962C8B-B14F-4D97-AF65-F5344CB8AC3E}">
-        <p14:creationId xmlns:p14="http://schemas.microsoft.com/office/powerpoint/2010/main" val="1474808441"/>
-      </p:ext>
-    </p:extLst>
-  </p:cSld>
-  <p:clrMapOvr>
-    <a:masterClrMapping/>
-  </p:clrMapOvr>
-  <p:transition spd="slow">
-    <p:cut/>
-  </p:transition>
-  <p:timing>
-    <p:tnLst>
-      <p:par>
-        <p:cTn id="1" dur="indefinite" restart="never" nodeType="tmRoot"/>
-      </p:par>
-    </p:tnLst>
-  </p:timing>
-</p:sld>
-</file>
-
-<file path=ppt/slides/slide17.xml><?xml version="1.0" encoding="utf-8"?>
-<p:sld xmlns:a="http://schemas.openxmlformats.org/drawingml/2006/main" xmlns:r="http://schemas.openxmlformats.org/officeDocument/2006/relationships" xmlns:p="http://schemas.openxmlformats.org/presentationml/2006/main">
-  <p:cSld>
-    <p:spTree>
-      <p:nvGrpSpPr>
-        <p:cNvPr id="1" name="Shape 28"/>
-        <p:cNvGrpSpPr/>
-        <p:nvPr/>
-      </p:nvGrpSpPr>
-      <p:grpSpPr>
-        <a:xfrm>
-          <a:off x="0" y="0"/>
-          <a:ext cx="0" cy="0"/>
-          <a:chOff x="0" y="0"/>
-          <a:chExt cx="0" cy="0"/>
-        </a:xfrm>
-      </p:grpSpPr>
-      <p:sp>
-        <p:nvSpPr>
-          <p:cNvPr id="29" name="Shape 29"/>
-          <p:cNvSpPr txBox="1">
-            <a:spLocks noGrp="1"/>
-          </p:cNvSpPr>
-          <p:nvPr>
-            <p:ph type="title"/>
-          </p:nvPr>
-        </p:nvSpPr>
-        <p:spPr>
-          <a:xfrm>
-            <a:off x="457200" y="274637"/>
-            <a:ext cx="8229600" cy="1143000"/>
-          </a:xfrm>
-          <a:prstGeom prst="rect">
-            <a:avLst/>
-          </a:prstGeom>
-        </p:spPr>
-        <p:txBody>
-          <a:bodyPr lIns="91425" tIns="91425" rIns="91425" bIns="91425" anchor="b" anchorCtr="0">
-            <a:noAutofit/>
-          </a:bodyPr>
-          <a:lstStyle/>
-          <a:p>
-            <a:pPr>
-              <a:spcBef>
-                <a:spcPts val="0"/>
-              </a:spcBef>
-              <a:buNone/>
-            </a:pPr>
-            <a:r>
-              <a:rPr lang="en-US" sz="7200" dirty="0" smtClean="0">
-                <a:solidFill>
-                  <a:srgbClr val="FF0000"/>
-                </a:solidFill>
-                <a:latin typeface="Yanone Kaffeesatz Bold"/>
-                <a:cs typeface="Yanone Kaffeesatz Bold"/>
-              </a:rPr>
-              <a:t>Plan</a:t>
-            </a:r>
-            <a:endParaRPr lang="en" sz="7200" dirty="0">
-              <a:solidFill>
-                <a:srgbClr val="FF0000"/>
-              </a:solidFill>
-              <a:latin typeface="Yanone Kaffeesatz Bold"/>
-              <a:cs typeface="Yanone Kaffeesatz Bold"/>
-            </a:endParaRPr>
-          </a:p>
-        </p:txBody>
-      </p:sp>
-      <p:sp>
-        <p:nvSpPr>
-          <p:cNvPr id="30" name="Shape 30"/>
-          <p:cNvSpPr txBox="1">
-            <a:spLocks noGrp="1"/>
-          </p:cNvSpPr>
-          <p:nvPr>
-            <p:ph type="body" idx="1"/>
-          </p:nvPr>
-        </p:nvSpPr>
-        <p:spPr>
-          <a:xfrm>
-            <a:off x="457200" y="1600200"/>
-            <a:ext cx="8229600" cy="4967700"/>
-          </a:xfrm>
-          <a:prstGeom prst="rect">
-            <a:avLst/>
-          </a:prstGeom>
-        </p:spPr>
-        <p:txBody>
-          <a:bodyPr lIns="91425" tIns="91425" rIns="91425" bIns="91425" anchor="t" anchorCtr="0">
-            <a:noAutofit/>
-          </a:bodyPr>
-          <a:lstStyle/>
-          <a:p>
-            <a:pPr marL="457200" marR="0" lvl="0" indent="-419100" defTabSz="914400" eaLnBrk="1" fontAlgn="auto" latinLnBrk="0" hangingPunct="1">
-              <a:lnSpc>
-                <a:spcPct val="130000"/>
-              </a:lnSpc>
-              <a:spcBef>
-                <a:spcPts val="0"/>
-              </a:spcBef>
-              <a:spcAft>
-                <a:spcPts val="0"/>
-              </a:spcAft>
-              <a:buClr>
-                <a:schemeClr val="dk1"/>
-              </a:buClr>
-              <a:buSzPct val="100000"/>
-              <a:buFontTx/>
-              <a:buNone/>
-              <a:tabLst/>
-              <a:defRPr/>
-            </a:pPr>
-            <a:r>
-              <a:rPr lang="en-US" dirty="0"/>
-              <a:t>Keep going!</a:t>
-            </a:r>
-          </a:p>
-          <a:p>
-            <a:pPr marL="457200" marR="0" lvl="0" indent="-419100" defTabSz="914400" eaLnBrk="1" fontAlgn="auto" latinLnBrk="0" hangingPunct="1">
-              <a:lnSpc>
-                <a:spcPct val="130000"/>
-              </a:lnSpc>
-              <a:spcBef>
-                <a:spcPts val="0"/>
-              </a:spcBef>
-              <a:spcAft>
-                <a:spcPts val="0"/>
-              </a:spcAft>
-              <a:buClr>
-                <a:schemeClr val="dk1"/>
-              </a:buClr>
-              <a:buSzPct val="100000"/>
-              <a:buFontTx/>
-              <a:buNone/>
-              <a:tabLst/>
-              <a:defRPr/>
-            </a:pPr>
-            <a:endParaRPr lang="en-US" dirty="0"/>
-          </a:p>
-          <a:p>
-            <a:pPr marL="457200" marR="0" lvl="0" indent="-419100" defTabSz="914400" eaLnBrk="1" fontAlgn="auto" latinLnBrk="0" hangingPunct="1">
-              <a:lnSpc>
-                <a:spcPct val="130000"/>
-              </a:lnSpc>
-              <a:spcBef>
-                <a:spcPts val="0"/>
-              </a:spcBef>
-              <a:spcAft>
-                <a:spcPts val="0"/>
-              </a:spcAft>
-              <a:buClr>
-                <a:schemeClr val="dk1"/>
-              </a:buClr>
-              <a:buSzPct val="100000"/>
-              <a:buFontTx/>
-              <a:buNone/>
-              <a:tabLst/>
-              <a:defRPr/>
-            </a:pPr>
-            <a:r>
-              <a:rPr lang="en-US" dirty="0"/>
-              <a:t>But we take requests!</a:t>
-            </a:r>
-            <a:endParaRPr lang="en-US" dirty="0"/>
-          </a:p>
-        </p:txBody>
-      </p:sp>
-    </p:spTree>
-    <p:extLst>
-      <p:ext uri="{BB962C8B-B14F-4D97-AF65-F5344CB8AC3E}">
-        <p14:creationId xmlns:p14="http://schemas.microsoft.com/office/powerpoint/2010/main" val="918242060"/>
-      </p:ext>
-    </p:extLst>
-  </p:cSld>
-  <p:clrMapOvr>
-    <a:masterClrMapping/>
-  </p:clrMapOvr>
-  <p:transition spd="slow">
-    <p:cut/>
-  </p:transition>
-  <p:timing>
-    <p:tnLst>
-      <p:par>
-        <p:cTn id="1" dur="indefinite" restart="never" nodeType="tmRoot"/>
-      </p:par>
-    </p:tnLst>
-  </p:timing>
-</p:sld>
-</file>
-
-<file path=ppt/slides/slide18.xml><?xml version="1.0" encoding="utf-8"?>
-<p:sld xmlns:a="http://schemas.openxmlformats.org/drawingml/2006/main" xmlns:r="http://schemas.openxmlformats.org/officeDocument/2006/relationships" xmlns:p="http://schemas.openxmlformats.org/presentationml/2006/main">
-  <p:cSld>
-    <p:spTree>
-      <p:nvGrpSpPr>
-        <p:cNvPr id="1" name="Shape 28"/>
-        <p:cNvGrpSpPr/>
-        <p:nvPr/>
-      </p:nvGrpSpPr>
-      <p:grpSpPr>
-        <a:xfrm>
-          <a:off x="0" y="0"/>
-          <a:ext cx="0" cy="0"/>
-          <a:chOff x="0" y="0"/>
-          <a:chExt cx="0" cy="0"/>
-        </a:xfrm>
-      </p:grpSpPr>
-      <p:pic>
-        <p:nvPicPr>
-          <p:cNvPr id="2" name="Picture 1"/>
-          <p:cNvPicPr>
-            <a:picLocks noChangeAspect="1"/>
-          </p:cNvPicPr>
-          <p:nvPr/>
-        </p:nvPicPr>
-        <p:blipFill>
-          <a:blip r:embed="rId3"/>
-          <a:stretch>
-            <a:fillRect/>
-          </a:stretch>
-        </p:blipFill>
-        <p:spPr>
-          <a:xfrm>
-            <a:off x="2870200" y="584200"/>
-            <a:ext cx="3390900" cy="5689600"/>
-          </a:xfrm>
-          <a:prstGeom prst="rect">
-            <a:avLst/>
-          </a:prstGeom>
-        </p:spPr>
-      </p:pic>
-    </p:spTree>
-    <p:extLst>
-      <p:ext uri="{BB962C8B-B14F-4D97-AF65-F5344CB8AC3E}">
-        <p14:creationId xmlns:p14="http://schemas.microsoft.com/office/powerpoint/2010/main" val="3644105720"/>
-      </p:ext>
-    </p:extLst>
-  </p:cSld>
-  <p:clrMapOvr>
-    <a:masterClrMapping/>
-  </p:clrMapOvr>
-  <p:transition spd="slow">
-    <p:cut/>
-  </p:transition>
-  <p:timing>
-    <p:tnLst>
-      <p:par>
-        <p:cTn id="1" dur="indefinite" restart="never" nodeType="tmRoot"/>
-      </p:par>
-    </p:tnLst>
-  </p:timing>
-</p:sld>
-</file>
-
-<file path=ppt/slides/slide19.xml><?xml version="1.0" encoding="utf-8"?>
-<p:sld xmlns:a="http://schemas.openxmlformats.org/drawingml/2006/main" xmlns:r="http://schemas.openxmlformats.org/officeDocument/2006/relationships" xmlns:p="http://schemas.openxmlformats.org/presentationml/2006/main">
-  <p:cSld>
-    <p:spTree>
-      <p:nvGrpSpPr>
-        <p:cNvPr id="1" name="Shape 28"/>
-        <p:cNvGrpSpPr/>
-        <p:nvPr/>
-      </p:nvGrpSpPr>
-      <p:grpSpPr>
-        <a:xfrm>
-          <a:off x="0" y="0"/>
-          <a:ext cx="0" cy="0"/>
-          <a:chOff x="0" y="0"/>
-          <a:chExt cx="0" cy="0"/>
-        </a:xfrm>
-      </p:grpSpPr>
-      <p:sp>
-        <p:nvSpPr>
-          <p:cNvPr id="29" name="Shape 29"/>
-          <p:cNvSpPr txBox="1">
-            <a:spLocks noGrp="1"/>
-          </p:cNvSpPr>
-          <p:nvPr>
-            <p:ph type="title"/>
-          </p:nvPr>
-        </p:nvSpPr>
-        <p:spPr>
-          <a:xfrm>
-            <a:off x="457200" y="274637"/>
-            <a:ext cx="8229600" cy="1143000"/>
-          </a:xfrm>
-          <a:prstGeom prst="rect">
-            <a:avLst/>
-          </a:prstGeom>
-        </p:spPr>
-        <p:txBody>
-          <a:bodyPr lIns="91425" tIns="91425" rIns="91425" bIns="91425" anchor="b" anchorCtr="0">
-            <a:noAutofit/>
-          </a:bodyPr>
-          <a:lstStyle/>
-          <a:p>
-            <a:pPr>
-              <a:spcBef>
-                <a:spcPts val="0"/>
-              </a:spcBef>
-              <a:buNone/>
-            </a:pPr>
-            <a:r>
-              <a:rPr lang="en-US" sz="7200" dirty="0" smtClean="0">
-                <a:solidFill>
-                  <a:srgbClr val="FF0000"/>
-                </a:solidFill>
-                <a:latin typeface="Yanone Kaffeesatz Bold"/>
-                <a:cs typeface="Yanone Kaffeesatz Bold"/>
-              </a:rPr>
-              <a:t>Show and Tell</a:t>
-            </a:r>
-            <a:endParaRPr lang="en" sz="7200" dirty="0">
-              <a:solidFill>
-                <a:srgbClr val="FF0000"/>
-              </a:solidFill>
-              <a:latin typeface="Yanone Kaffeesatz Bold"/>
-              <a:cs typeface="Yanone Kaffeesatz Bold"/>
-            </a:endParaRPr>
-          </a:p>
-        </p:txBody>
-      </p:sp>
-      <p:sp>
-        <p:nvSpPr>
-          <p:cNvPr id="30" name="Shape 30"/>
-          <p:cNvSpPr txBox="1">
-            <a:spLocks noGrp="1"/>
-          </p:cNvSpPr>
-          <p:nvPr>
-            <p:ph type="body" idx="1"/>
-          </p:nvPr>
-        </p:nvSpPr>
-        <p:spPr>
-          <a:xfrm>
-            <a:off x="457200" y="1600200"/>
-            <a:ext cx="8229600" cy="4967700"/>
-          </a:xfrm>
-          <a:prstGeom prst="rect">
-            <a:avLst/>
-          </a:prstGeom>
-        </p:spPr>
-        <p:txBody>
-          <a:bodyPr lIns="91425" tIns="91425" rIns="91425" bIns="91425" anchor="t" anchorCtr="0">
-            <a:noAutofit/>
-          </a:bodyPr>
-          <a:lstStyle/>
-          <a:p>
-            <a:pPr marL="457200" lvl="0" indent="-419100">
-              <a:lnSpc>
-                <a:spcPct val="130000"/>
-              </a:lnSpc>
-              <a:buClr>
-                <a:schemeClr val="dk1"/>
-              </a:buClr>
-              <a:buSzPct val="100000"/>
-              <a:buFont typeface="Arial"/>
-              <a:buChar char="●"/>
-            </a:pPr>
-            <a:r>
-              <a:rPr lang="en-US" dirty="0" smtClean="0"/>
               <a:t>Start thinking about it...</a:t>
             </a:r>
           </a:p>
@@ -7597,13 +5186,13 @@
   <p:clrMapOvr>
     <a:masterClrMapping/>
   </p:clrMapOvr>
-  <p:transition spd="slow">
+  <p:transition xmlns:p14="http://schemas.microsoft.com/office/powerpoint/2010/main" spd="slow">
     <p:cut/>
   </p:transition>
   <p:timing>
     <p:tnLst>
       <p:par>
-        <p:cTn id="1" dur="indefinite" restart="never" nodeType="tmRoot"/>
+        <p:cTn xmlns:p14="http://schemas.microsoft.com/office/powerpoint/2010/main" id="1" dur="indefinite" restart="never" nodeType="tmRoot"/>
       </p:par>
     </p:tnLst>
   </p:timing>
@@ -7814,13 +5403,13 @@
   <p:clrMapOvr>
     <a:masterClrMapping/>
   </p:clrMapOvr>
-  <p:transition spd="slow">
+  <p:transition xmlns:p14="http://schemas.microsoft.com/office/powerpoint/2010/main" spd="slow">
     <p:cut/>
   </p:transition>
   <p:timing>
     <p:tnLst>
       <p:par>
-        <p:cTn id="1" dur="indefinite" restart="never" nodeType="tmRoot"/>
+        <p:cTn xmlns:p14="http://schemas.microsoft.com/office/powerpoint/2010/main" id="1" dur="indefinite" restart="never" nodeType="tmRoot"/>
       </p:par>
     </p:tnLst>
   </p:timing>
@@ -8056,13 +5645,13 @@
   <p:clrMapOvr>
     <a:masterClrMapping/>
   </p:clrMapOvr>
-  <p:transition spd="slow">
+  <p:transition xmlns:p14="http://schemas.microsoft.com/office/powerpoint/2010/main" spd="slow">
     <p:cut/>
   </p:transition>
   <p:timing>
     <p:tnLst>
       <p:par>
-        <p:cTn id="1" dur="indefinite" restart="never" nodeType="tmRoot"/>
+        <p:cTn xmlns:p14="http://schemas.microsoft.com/office/powerpoint/2010/main" id="1" dur="indefinite" restart="never" nodeType="tmRoot"/>
       </p:par>
     </p:tnLst>
   </p:timing>
@@ -8229,13 +5818,13 @@
   <p:clrMapOvr>
     <a:masterClrMapping/>
   </p:clrMapOvr>
-  <p:transition spd="slow">
+  <p:transition xmlns:p14="http://schemas.microsoft.com/office/powerpoint/2010/main" spd="slow">
     <p:cut/>
   </p:transition>
   <p:timing>
     <p:tnLst>
       <p:par>
-        <p:cTn id="1" dur="indefinite" restart="never" nodeType="tmRoot"/>
+        <p:cTn xmlns:p14="http://schemas.microsoft.com/office/powerpoint/2010/main" id="1" dur="indefinite" restart="never" nodeType="tmRoot"/>
       </p:par>
     </p:tnLst>
   </p:timing>
@@ -8410,13 +5999,13 @@
   <p:clrMapOvr>
     <a:masterClrMapping/>
   </p:clrMapOvr>
-  <p:transition spd="slow">
+  <p:transition xmlns:p14="http://schemas.microsoft.com/office/powerpoint/2010/main" spd="slow">
     <p:cut/>
   </p:transition>
   <p:timing>
     <p:tnLst>
       <p:par>
-        <p:cTn id="1" dur="indefinite" restart="never" nodeType="tmRoot"/>
+        <p:cTn xmlns:p14="http://schemas.microsoft.com/office/powerpoint/2010/main" id="1" dur="indefinite" restart="never" nodeType="tmRoot"/>
       </p:par>
     </p:tnLst>
   </p:timing>
@@ -8562,13 +6151,13 @@
   <p:clrMapOvr>
     <a:masterClrMapping/>
   </p:clrMapOvr>
-  <p:transition spd="slow">
+  <p:transition xmlns:p14="http://schemas.microsoft.com/office/powerpoint/2010/main" spd="slow">
     <p:cut/>
   </p:transition>
   <p:timing>
     <p:tnLst>
       <p:par>
-        <p:cTn id="1" dur="indefinite" restart="never" nodeType="tmRoot"/>
+        <p:cTn xmlns:p14="http://schemas.microsoft.com/office/powerpoint/2010/main" id="1" dur="indefinite" restart="never" nodeType="tmRoot"/>
       </p:par>
     </p:tnLst>
   </p:timing>
@@ -8765,13 +6354,13 @@
   <p:clrMapOvr>
     <a:masterClrMapping/>
   </p:clrMapOvr>
-  <p:transition spd="slow">
+  <p:transition xmlns:p14="http://schemas.microsoft.com/office/powerpoint/2010/main" spd="slow">
     <p:cut/>
   </p:transition>
   <p:timing>
     <p:tnLst>
       <p:par>
-        <p:cTn id="1" dur="indefinite" restart="never" nodeType="tmRoot"/>
+        <p:cTn xmlns:p14="http://schemas.microsoft.com/office/powerpoint/2010/main" id="1" dur="indefinite" restart="never" nodeType="tmRoot"/>
       </p:par>
     </p:tnLst>
   </p:timing>
@@ -9025,13 +6614,13 @@
   <p:clrMapOvr>
     <a:masterClrMapping/>
   </p:clrMapOvr>
-  <p:transition spd="slow">
+  <p:transition xmlns:p14="http://schemas.microsoft.com/office/powerpoint/2010/main" spd="slow">
     <p:cut/>
   </p:transition>
   <p:timing>
     <p:tnLst>
       <p:par>
-        <p:cTn id="1" dur="indefinite" restart="never" nodeType="tmRoot"/>
+        <p:cTn xmlns:p14="http://schemas.microsoft.com/office/powerpoint/2010/main" id="1" dur="indefinite" restart="never" nodeType="tmRoot"/>
       </p:par>
     </p:tnLst>
   </p:timing>
@@ -9094,7 +6683,7 @@
                 <a:latin typeface="Yanone Kaffeesatz Bold"/>
                 <a:cs typeface="Yanone Kaffeesatz Bold"/>
               </a:rPr>
-              <a:t>Methods</a:t>
+              <a:t>Plan</a:t>
             </a:r>
             <a:endParaRPr lang="en" sz="7200" dirty="0">
               <a:solidFill>
@@ -9131,193 +6720,96 @@
           </a:bodyPr>
           <a:lstStyle/>
           <a:p>
-            <a:pPr marL="38100" lvl="0" indent="0">
+            <a:pPr marL="457200" marR="0" lvl="0" indent="-419100" defTabSz="914400" eaLnBrk="1" fontAlgn="auto" latinLnBrk="0" hangingPunct="1">
               <a:lnSpc>
                 <a:spcPct val="130000"/>
               </a:lnSpc>
+              <a:spcBef>
+                <a:spcPts val="0"/>
+              </a:spcBef>
+              <a:spcAft>
+                <a:spcPts val="0"/>
+              </a:spcAft>
               <a:buClr>
                 <a:schemeClr val="dk1"/>
               </a:buClr>
               <a:buSzPct val="100000"/>
-              <a:buNone/>
+              <a:buFontTx/>
+              <a:buNone/>
+              <a:tabLst/>
+              <a:defRPr/>
             </a:pPr>
             <a:r>
-              <a:rPr lang="en-US" dirty="0" err="1" smtClean="0"/>
-              <a:t>def</a:t>
-            </a:r>
-            <a:r>
-              <a:rPr lang="en-US" dirty="0" smtClean="0"/>
-              <a:t> </a:t>
-            </a:r>
-            <a:r>
-              <a:rPr lang="en-US" dirty="0" err="1" smtClean="0"/>
-              <a:t>method_name</a:t>
-            </a:r>
-            <a:r>
-              <a:rPr lang="en-US" dirty="0" smtClean="0"/>
-              <a:t>(</a:t>
-            </a:r>
-            <a:r>
-              <a:rPr lang="en-US" dirty="0" err="1" smtClean="0"/>
-              <a:t>a_local_variable</a:t>
-            </a:r>
-            <a:r>
-              <a:rPr lang="en-US" dirty="0" smtClean="0"/>
-              <a:t>):</a:t>
-            </a:r>
-          </a:p>
-          <a:p>
-            <a:pPr marL="38100" lvl="0" indent="0">
+              <a:rPr lang="en-US" dirty="0"/>
+              <a:t>Keep going!</a:t>
+            </a:r>
+          </a:p>
+          <a:p>
+            <a:pPr marL="457200" marR="0" lvl="0" indent="-419100" defTabSz="914400" eaLnBrk="1" fontAlgn="auto" latinLnBrk="0" hangingPunct="1">
               <a:lnSpc>
                 <a:spcPct val="130000"/>
               </a:lnSpc>
+              <a:spcBef>
+                <a:spcPts val="0"/>
+              </a:spcBef>
+              <a:spcAft>
+                <a:spcPts val="0"/>
+              </a:spcAft>
               <a:buClr>
                 <a:schemeClr val="dk1"/>
               </a:buClr>
               <a:buSzPct val="100000"/>
-              <a:buNone/>
+              <a:buFontTx/>
+              <a:buNone/>
+              <a:tabLst/>
+              <a:defRPr/>
             </a:pPr>
-            <a:r>
-              <a:rPr lang="en-US" dirty="0" smtClean="0"/>
-              <a:t>		</a:t>
-            </a:r>
-            <a:r>
-              <a:rPr lang="en-US" dirty="0" err="1" smtClean="0"/>
-              <a:t>a_local_variable</a:t>
-            </a:r>
-            <a:r>
-              <a:rPr lang="en-US" dirty="0" smtClean="0"/>
-              <a:t> exists here!</a:t>
-            </a:r>
-          </a:p>
-          <a:p>
-            <a:pPr marL="38100" lvl="0" indent="0">
+            <a:endParaRPr lang="en-US" dirty="0"/>
+          </a:p>
+          <a:p>
+            <a:pPr marL="457200" marR="0" lvl="0" indent="-419100" defTabSz="914400" eaLnBrk="1" fontAlgn="auto" latinLnBrk="0" hangingPunct="1">
               <a:lnSpc>
                 <a:spcPct val="130000"/>
               </a:lnSpc>
+              <a:spcBef>
+                <a:spcPts val="0"/>
+              </a:spcBef>
+              <a:spcAft>
+                <a:spcPts val="0"/>
+              </a:spcAft>
               <a:buClr>
                 <a:schemeClr val="dk1"/>
               </a:buClr>
               <a:buSzPct val="100000"/>
-              <a:buNone/>
+              <a:buFontTx/>
+              <a:buNone/>
+              <a:tabLst/>
+              <a:defRPr/>
             </a:pPr>
-            <a:endParaRPr lang="en-US" dirty="0" smtClean="0"/>
-          </a:p>
-          <a:p>
-            <a:pPr marL="38100" lvl="0" indent="0">
-              <a:lnSpc>
-                <a:spcPct val="130000"/>
-              </a:lnSpc>
-              <a:buClr>
-                <a:schemeClr val="dk1"/>
-              </a:buClr>
-              <a:buSzPct val="100000"/>
-              <a:buNone/>
-            </a:pPr>
-            <a:endParaRPr lang="en-US" dirty="0"/>
-          </a:p>
-          <a:p>
-            <a:pPr marL="38100" lvl="0" indent="0">
-              <a:lnSpc>
-                <a:spcPct val="130000"/>
-              </a:lnSpc>
-              <a:buClr>
-                <a:schemeClr val="dk1"/>
-              </a:buClr>
-              <a:buSzPct val="100000"/>
-              <a:buNone/>
-            </a:pPr>
-            <a:r>
-              <a:rPr lang="en-US" dirty="0" err="1"/>
-              <a:t>m</a:t>
-            </a:r>
-            <a:r>
-              <a:rPr lang="en-US" dirty="0" err="1" smtClean="0"/>
-              <a:t>ethod_name</a:t>
-            </a:r>
-            <a:r>
-              <a:rPr lang="en-US" dirty="0" smtClean="0"/>
-              <a:t>(</a:t>
-            </a:r>
-            <a:r>
-              <a:rPr lang="en-US" dirty="0" err="1" smtClean="0"/>
-              <a:t>example_method</a:t>
-            </a:r>
-            <a:r>
-              <a:rPr lang="en-US" dirty="0" smtClean="0"/>
-              <a:t>)</a:t>
-            </a:r>
-          </a:p>
-          <a:p>
-            <a:pPr marL="38100" lvl="0" indent="0">
-              <a:lnSpc>
-                <a:spcPct val="130000"/>
-              </a:lnSpc>
-              <a:buClr>
-                <a:schemeClr val="dk1"/>
-              </a:buClr>
-              <a:buSzPct val="100000"/>
-              <a:buNone/>
-            </a:pPr>
-            <a:r>
-              <a:rPr lang="en-US" dirty="0" err="1" smtClean="0"/>
-              <a:t>a_local_variable</a:t>
-            </a:r>
-            <a:r>
-              <a:rPr lang="en-US" dirty="0" smtClean="0"/>
-              <a:t> does not exist here</a:t>
-            </a:r>
-            <a:endParaRPr lang="en-US" dirty="0"/>
-          </a:p>
-          <a:p>
-            <a:pPr marL="38100" lvl="0" indent="0">
-              <a:lnSpc>
-                <a:spcPct val="130000"/>
-              </a:lnSpc>
-              <a:buClr>
-                <a:schemeClr val="dk1"/>
-              </a:buClr>
-              <a:buSzPct val="100000"/>
-              <a:buNone/>
-            </a:pPr>
-            <a:endParaRPr lang="en-US" dirty="0" smtClean="0"/>
-          </a:p>
-          <a:p>
-            <a:pPr marL="38100" lvl="0" indent="0">
-              <a:lnSpc>
-                <a:spcPct val="130000"/>
-              </a:lnSpc>
-              <a:buClr>
-                <a:schemeClr val="dk1"/>
-              </a:buClr>
-              <a:buSzPct val="100000"/>
-              <a:buNone/>
-            </a:pPr>
-            <a:r>
-              <a:rPr lang="en-US" dirty="0" smtClean="0"/>
-              <a:t>Variable scope – only exist in certain places</a:t>
-            </a:r>
-            <a:endParaRPr lang="en-US" dirty="0"/>
+            <a:r>
+              <a:rPr lang="en-US" dirty="0"/>
+              <a:t>But we take requests!</a:t>
+            </a:r>
           </a:p>
         </p:txBody>
       </p:sp>
     </p:spTree>
     <p:extLst>
       <p:ext uri="{BB962C8B-B14F-4D97-AF65-F5344CB8AC3E}">
-        <p14:creationId xmlns:p14="http://schemas.microsoft.com/office/powerpoint/2010/main" val="3156944558"/>
+        <p14:creationId xmlns:p14="http://schemas.microsoft.com/office/powerpoint/2010/main" val="918242060"/>
       </p:ext>
     </p:extLst>
   </p:cSld>
   <p:clrMapOvr>
     <a:masterClrMapping/>
   </p:clrMapOvr>
-  <p:transition spd="slow">
+  <p:transition xmlns:p14="http://schemas.microsoft.com/office/powerpoint/2010/main" spd="slow">
     <p:cut/>
   </p:transition>
   <p:timing>
     <p:tnLst>
       <p:par>
-        <p:cTn id="1" dur="indefinite" restart="never" nodeType="tmRoot"/>
+        <p:cTn xmlns:p14="http://schemas.microsoft.com/office/powerpoint/2010/main" id="1" dur="indefinite" restart="never" nodeType="tmRoot"/>
       </p:par>
     </p:tnLst>
   </p:timing>
